--- a/Signal Graph.pptx
+++ b/Signal Graph.pptx
@@ -1298,6 +1298,213 @@
     </pc:docChg>
   </pc:docChgLst>
   <pc:docChgLst>
+    <pc:chgData name="Jarod van Otegem" userId="40a590013f178374" providerId="LiveId" clId="{1A8B9D02-858A-4125-8788-A0EF2ACAC1A6}"/>
+    <pc:docChg chg="custSel modSld">
+      <pc:chgData name="Jarod van Otegem" userId="40a590013f178374" providerId="LiveId" clId="{1A8B9D02-858A-4125-8788-A0EF2ACAC1A6}" dt="2025-06-29T19:45:15.188" v="103" actId="166"/>
+      <pc:docMkLst>
+        <pc:docMk/>
+      </pc:docMkLst>
+      <pc:sldChg chg="modSp mod">
+        <pc:chgData name="Jarod van Otegem" userId="40a590013f178374" providerId="LiveId" clId="{1A8B9D02-858A-4125-8788-A0EF2ACAC1A6}" dt="2025-06-29T19:34:35.132" v="60" actId="14100"/>
+        <pc:sldMkLst>
+          <pc:docMk/>
+          <pc:sldMk cId="740065767" sldId="262"/>
+        </pc:sldMkLst>
+        <pc:spChg chg="mod">
+          <ac:chgData name="Jarod van Otegem" userId="40a590013f178374" providerId="LiveId" clId="{1A8B9D02-858A-4125-8788-A0EF2ACAC1A6}" dt="2025-06-29T19:28:34.525" v="30" actId="1076"/>
+          <ac:spMkLst>
+            <pc:docMk/>
+            <pc:sldMk cId="740065767" sldId="262"/>
+            <ac:spMk id="9" creationId="{B9C53F90-3F85-498D-8FAB-5D82370FE30D}"/>
+          </ac:spMkLst>
+        </pc:spChg>
+        <pc:spChg chg="mod">
+          <ac:chgData name="Jarod van Otegem" userId="40a590013f178374" providerId="LiveId" clId="{1A8B9D02-858A-4125-8788-A0EF2ACAC1A6}" dt="2025-06-29T19:28:56.064" v="32" actId="1076"/>
+          <ac:spMkLst>
+            <pc:docMk/>
+            <pc:sldMk cId="740065767" sldId="262"/>
+            <ac:spMk id="23" creationId="{59860FC3-CC86-C75B-6C2F-0B8460DC2120}"/>
+          </ac:spMkLst>
+        </pc:spChg>
+        <pc:spChg chg="mod ord">
+          <ac:chgData name="Jarod van Otegem" userId="40a590013f178374" providerId="LiveId" clId="{1A8B9D02-858A-4125-8788-A0EF2ACAC1A6}" dt="2025-06-29T19:29:10.328" v="36" actId="167"/>
+          <ac:spMkLst>
+            <pc:docMk/>
+            <pc:sldMk cId="740065767" sldId="262"/>
+            <ac:spMk id="24" creationId="{875A84FD-C118-9BF2-F2C1-4DE2F2F06956}"/>
+          </ac:spMkLst>
+        </pc:spChg>
+        <pc:spChg chg="mod">
+          <ac:chgData name="Jarod van Otegem" userId="40a590013f178374" providerId="LiveId" clId="{1A8B9D02-858A-4125-8788-A0EF2ACAC1A6}" dt="2025-06-29T19:27:11.775" v="13" actId="14100"/>
+          <ac:spMkLst>
+            <pc:docMk/>
+            <pc:sldMk cId="740065767" sldId="262"/>
+            <ac:spMk id="26" creationId="{A30AD671-5AD3-3EB7-3B33-27D229C81785}"/>
+          </ac:spMkLst>
+        </pc:spChg>
+        <pc:spChg chg="mod">
+          <ac:chgData name="Jarod van Otegem" userId="40a590013f178374" providerId="LiveId" clId="{1A8B9D02-858A-4125-8788-A0EF2ACAC1A6}" dt="2025-06-29T19:27:05.104" v="11" actId="1076"/>
+          <ac:spMkLst>
+            <pc:docMk/>
+            <pc:sldMk cId="740065767" sldId="262"/>
+            <ac:spMk id="27" creationId="{D44ABE6A-2D40-3204-A1FB-4F02A67035DD}"/>
+          </ac:spMkLst>
+        </pc:spChg>
+        <pc:spChg chg="mod ord">
+          <ac:chgData name="Jarod van Otegem" userId="40a590013f178374" providerId="LiveId" clId="{1A8B9D02-858A-4125-8788-A0EF2ACAC1A6}" dt="2025-06-29T19:29:07.100" v="35" actId="167"/>
+          <ac:spMkLst>
+            <pc:docMk/>
+            <pc:sldMk cId="740065767" sldId="262"/>
+            <ac:spMk id="28" creationId="{07CD7CBE-8D82-A0BC-F83A-71992380C896}"/>
+          </ac:spMkLst>
+        </pc:spChg>
+        <pc:spChg chg="mod">
+          <ac:chgData name="Jarod van Otegem" userId="40a590013f178374" providerId="LiveId" clId="{1A8B9D02-858A-4125-8788-A0EF2ACAC1A6}" dt="2025-06-29T19:34:35.132" v="60" actId="14100"/>
+          <ac:spMkLst>
+            <pc:docMk/>
+            <pc:sldMk cId="740065767" sldId="262"/>
+            <ac:spMk id="30" creationId="{354B5C0B-582C-5B17-CEFE-106D8A1D4D20}"/>
+          </ac:spMkLst>
+        </pc:spChg>
+        <pc:spChg chg="mod">
+          <ac:chgData name="Jarod van Otegem" userId="40a590013f178374" providerId="LiveId" clId="{1A8B9D02-858A-4125-8788-A0EF2ACAC1A6}" dt="2025-06-29T19:34:27.875" v="52" actId="14100"/>
+          <ac:spMkLst>
+            <pc:docMk/>
+            <pc:sldMk cId="740065767" sldId="262"/>
+            <ac:spMk id="31" creationId="{D1C02433-2587-07E3-05BF-FF15F8AAC8EF}"/>
+          </ac:spMkLst>
+        </pc:spChg>
+        <pc:grpChg chg="mod ord">
+          <ac:chgData name="Jarod van Otegem" userId="40a590013f178374" providerId="LiveId" clId="{1A8B9D02-858A-4125-8788-A0EF2ACAC1A6}" dt="2025-06-29T19:29:22.092" v="40" actId="1076"/>
+          <ac:grpSpMkLst>
+            <pc:docMk/>
+            <pc:sldMk cId="740065767" sldId="262"/>
+            <ac:grpSpMk id="19" creationId="{AFF25736-0DB1-58A1-FC5D-830492A2C663}"/>
+          </ac:grpSpMkLst>
+        </pc:grpChg>
+      </pc:sldChg>
+      <pc:sldChg chg="delSp modSp mod">
+        <pc:chgData name="Jarod van Otegem" userId="40a590013f178374" providerId="LiveId" clId="{1A8B9D02-858A-4125-8788-A0EF2ACAC1A6}" dt="2025-06-29T19:45:15.188" v="103" actId="166"/>
+        <pc:sldMkLst>
+          <pc:docMk/>
+          <pc:sldMk cId="3563566000" sldId="263"/>
+        </pc:sldMkLst>
+        <pc:spChg chg="mod">
+          <ac:chgData name="Jarod van Otegem" userId="40a590013f178374" providerId="LiveId" clId="{1A8B9D02-858A-4125-8788-A0EF2ACAC1A6}" dt="2025-06-29T19:39:04.968" v="87" actId="207"/>
+          <ac:spMkLst>
+            <pc:docMk/>
+            <pc:sldMk cId="3563566000" sldId="263"/>
+            <ac:spMk id="2" creationId="{AA8BFBD1-4DA8-2328-D4BE-0E191CA70521}"/>
+          </ac:spMkLst>
+        </pc:spChg>
+        <pc:spChg chg="del mod">
+          <ac:chgData name="Jarod van Otegem" userId="40a590013f178374" providerId="LiveId" clId="{1A8B9D02-858A-4125-8788-A0EF2ACAC1A6}" dt="2025-06-29T19:39:48.595" v="91" actId="478"/>
+          <ac:spMkLst>
+            <pc:docMk/>
+            <pc:sldMk cId="3563566000" sldId="263"/>
+            <ac:spMk id="24" creationId="{5C6E3789-DCE9-006D-0121-92C3E7697C62}"/>
+          </ac:spMkLst>
+        </pc:spChg>
+        <pc:spChg chg="mod">
+          <ac:chgData name="Jarod van Otegem" userId="40a590013f178374" providerId="LiveId" clId="{1A8B9D02-858A-4125-8788-A0EF2ACAC1A6}" dt="2025-06-29T19:42:03.685" v="93" actId="1076"/>
+          <ac:spMkLst>
+            <pc:docMk/>
+            <pc:sldMk cId="3563566000" sldId="263"/>
+            <ac:spMk id="27" creationId="{223D58AE-7BF0-645C-F011-861E9FE65A79}"/>
+          </ac:spMkLst>
+        </pc:spChg>
+        <pc:spChg chg="mod">
+          <ac:chgData name="Jarod van Otegem" userId="40a590013f178374" providerId="LiveId" clId="{1A8B9D02-858A-4125-8788-A0EF2ACAC1A6}" dt="2025-06-29T19:38:15.105" v="86" actId="403"/>
+          <ac:spMkLst>
+            <pc:docMk/>
+            <pc:sldMk cId="3563566000" sldId="263"/>
+            <ac:spMk id="37" creationId="{B42BB146-9119-5DCD-4EA2-D6FF94C4FE81}"/>
+          </ac:spMkLst>
+        </pc:spChg>
+        <pc:spChg chg="ord">
+          <ac:chgData name="Jarod van Otegem" userId="40a590013f178374" providerId="LiveId" clId="{1A8B9D02-858A-4125-8788-A0EF2ACAC1A6}" dt="2025-06-29T19:44:32.422" v="102" actId="166"/>
+          <ac:spMkLst>
+            <pc:docMk/>
+            <pc:sldMk cId="3563566000" sldId="263"/>
+            <ac:spMk id="38" creationId="{C9D964D8-D4DE-0430-7575-369D54204518}"/>
+          </ac:spMkLst>
+        </pc:spChg>
+        <pc:spChg chg="mod">
+          <ac:chgData name="Jarod van Otegem" userId="40a590013f178374" providerId="LiveId" clId="{1A8B9D02-858A-4125-8788-A0EF2ACAC1A6}" dt="2025-06-29T19:37:09.836" v="72" actId="1076"/>
+          <ac:spMkLst>
+            <pc:docMk/>
+            <pc:sldMk cId="3563566000" sldId="263"/>
+            <ac:spMk id="48" creationId="{788D3208-D71B-6F4C-34D3-74463D5EBA5C}"/>
+          </ac:spMkLst>
+        </pc:spChg>
+        <pc:spChg chg="mod">
+          <ac:chgData name="Jarod van Otegem" userId="40a590013f178374" providerId="LiveId" clId="{1A8B9D02-858A-4125-8788-A0EF2ACAC1A6}" dt="2025-06-29T19:39:08.631" v="88" actId="207"/>
+          <ac:spMkLst>
+            <pc:docMk/>
+            <pc:sldMk cId="3563566000" sldId="263"/>
+            <ac:spMk id="53" creationId="{0FA4BDAA-6041-70E1-9999-A98CC71D4BA3}"/>
+          </ac:spMkLst>
+        </pc:spChg>
+        <pc:spChg chg="mod">
+          <ac:chgData name="Jarod van Otegem" userId="40a590013f178374" providerId="LiveId" clId="{1A8B9D02-858A-4125-8788-A0EF2ACAC1A6}" dt="2025-06-29T19:39:10.631" v="89" actId="207"/>
+          <ac:spMkLst>
+            <pc:docMk/>
+            <pc:sldMk cId="3563566000" sldId="263"/>
+            <ac:spMk id="54" creationId="{0F791E1B-2BA6-A93D-5B1A-5C52649C1ADB}"/>
+          </ac:spMkLst>
+        </pc:spChg>
+        <pc:spChg chg="mod">
+          <ac:chgData name="Jarod van Otegem" userId="40a590013f178374" providerId="LiveId" clId="{1A8B9D02-858A-4125-8788-A0EF2ACAC1A6}" dt="2025-06-29T19:42:12.733" v="94" actId="14100"/>
+          <ac:spMkLst>
+            <pc:docMk/>
+            <pc:sldMk cId="3563566000" sldId="263"/>
+            <ac:spMk id="56" creationId="{039E402D-1EC3-71CD-B521-ABA238F86483}"/>
+          </ac:spMkLst>
+        </pc:spChg>
+        <pc:spChg chg="mod">
+          <ac:chgData name="Jarod van Otegem" userId="40a590013f178374" providerId="LiveId" clId="{1A8B9D02-858A-4125-8788-A0EF2ACAC1A6}" dt="2025-06-29T19:42:33.070" v="98" actId="14100"/>
+          <ac:spMkLst>
+            <pc:docMk/>
+            <pc:sldMk cId="3563566000" sldId="263"/>
+            <ac:spMk id="57" creationId="{CEF1A557-B7C8-20B2-B927-EADD348FFDED}"/>
+          </ac:spMkLst>
+        </pc:spChg>
+        <pc:spChg chg="mod">
+          <ac:chgData name="Jarod van Otegem" userId="40a590013f178374" providerId="LiveId" clId="{1A8B9D02-858A-4125-8788-A0EF2ACAC1A6}" dt="2025-06-29T19:42:18.285" v="95" actId="1076"/>
+          <ac:spMkLst>
+            <pc:docMk/>
+            <pc:sldMk cId="3563566000" sldId="263"/>
+            <ac:spMk id="58" creationId="{4EF5FC9F-16B8-1150-69CE-EBB5F7530888}"/>
+          </ac:spMkLst>
+        </pc:spChg>
+        <pc:spChg chg="mod">
+          <ac:chgData name="Jarod van Otegem" userId="40a590013f178374" providerId="LiveId" clId="{1A8B9D02-858A-4125-8788-A0EF2ACAC1A6}" dt="2025-06-29T19:43:42.683" v="101" actId="1076"/>
+          <ac:spMkLst>
+            <pc:docMk/>
+            <pc:sldMk cId="3563566000" sldId="263"/>
+            <ac:spMk id="64" creationId="{1BC5D5D4-06A9-0FE3-9640-771AC0BFFBF2}"/>
+          </ac:spMkLst>
+        </pc:spChg>
+        <pc:spChg chg="mod">
+          <ac:chgData name="Jarod van Otegem" userId="40a590013f178374" providerId="LiveId" clId="{1A8B9D02-858A-4125-8788-A0EF2ACAC1A6}" dt="2025-06-29T19:42:28.432" v="96" actId="1076"/>
+          <ac:spMkLst>
+            <pc:docMk/>
+            <pc:sldMk cId="3563566000" sldId="263"/>
+            <ac:spMk id="66" creationId="{C0E7CC7F-0792-8616-8B97-7E5AF94934A8}"/>
+          </ac:spMkLst>
+        </pc:spChg>
+        <pc:grpChg chg="ord">
+          <ac:chgData name="Jarod van Otegem" userId="40a590013f178374" providerId="LiveId" clId="{1A8B9D02-858A-4125-8788-A0EF2ACAC1A6}" dt="2025-06-29T19:45:15.188" v="103" actId="166"/>
+          <ac:grpSpMkLst>
+            <pc:docMk/>
+            <pc:sldMk cId="3563566000" sldId="263"/>
+            <ac:grpSpMk id="50" creationId="{3EA0BC83-3B09-0540-E32D-430E95B1A0E7}"/>
+          </ac:grpSpMkLst>
+        </pc:grpChg>
+      </pc:sldChg>
+    </pc:docChg>
+  </pc:docChgLst>
+  <pc:docChgLst>
     <pc:chgData name="Jarod van Otegem" userId="40a590013f178374" providerId="LiveId" clId="{AA934324-A1A0-4934-AB6F-3CF0E3689A1B}"/>
     <pc:docChg chg="undo custSel addSld delSld modSld sldOrd">
       <pc:chgData name="Jarod van Otegem" userId="40a590013f178374" providerId="LiveId" clId="{AA934324-A1A0-4934-AB6F-3CF0E3689A1B}" dt="2025-06-06T15:31:37.509" v="1074" actId="1076"/>
@@ -1944,7 +2151,7 @@
           <a:p>
             <a:fld id="{D0D4A98E-00A8-4FD2-AF16-AB9FE8919627}" type="datetimeFigureOut">
               <a:rPr lang="en-NL" smtClean="0"/>
-              <a:t>10/06/2025</a:t>
+              <a:t>29/06/2025</a:t>
             </a:fld>
             <a:endParaRPr lang="en-NL"/>
           </a:p>
@@ -2553,7 +2760,7 @@
           <a:p>
             <a:fld id="{DEECF907-1230-46C3-9148-A2852AABA238}" type="datetime8">
               <a:rPr lang="en-NL" smtClean="0"/>
-              <a:t>10/06/2025 10:48</a:t>
+              <a:t>29/06/2025 21:25</a:t>
             </a:fld>
             <a:endParaRPr lang="en-NL"/>
           </a:p>
@@ -2753,7 +2960,7 @@
           <a:p>
             <a:fld id="{B29D48FB-2F92-4D75-B9F6-E8F608DB9F72}" type="datetime8">
               <a:rPr lang="en-NL" smtClean="0"/>
-              <a:t>10/06/2025 10:48</a:t>
+              <a:t>29/06/2025 21:25</a:t>
             </a:fld>
             <a:endParaRPr lang="en-NL"/>
           </a:p>
@@ -2963,7 +3170,7 @@
           <a:p>
             <a:fld id="{F8F48FF3-5F4D-412A-80A1-C84D56F25B2D}" type="datetime8">
               <a:rPr lang="en-NL" smtClean="0"/>
-              <a:t>10/06/2025 10:48</a:t>
+              <a:t>29/06/2025 21:25</a:t>
             </a:fld>
             <a:endParaRPr lang="en-NL"/>
           </a:p>
@@ -3163,7 +3370,7 @@
           <a:p>
             <a:fld id="{1F2EF11C-190B-4F4F-B22E-E8198B23A1B6}" type="datetime8">
               <a:rPr lang="en-NL" smtClean="0"/>
-              <a:t>10/06/2025 10:48</a:t>
+              <a:t>29/06/2025 21:25</a:t>
             </a:fld>
             <a:endParaRPr lang="en-NL"/>
           </a:p>
@@ -3439,7 +3646,7 @@
           <a:p>
             <a:fld id="{B47DB253-3C7F-4396-9753-5987612DD440}" type="datetime8">
               <a:rPr lang="en-NL" smtClean="0"/>
-              <a:t>10/06/2025 10:48</a:t>
+              <a:t>29/06/2025 21:25</a:t>
             </a:fld>
             <a:endParaRPr lang="en-NL"/>
           </a:p>
@@ -3707,7 +3914,7 @@
           <a:p>
             <a:fld id="{F95A55F9-A68F-4742-B303-184E88C376F2}" type="datetime8">
               <a:rPr lang="en-NL" smtClean="0"/>
-              <a:t>10/06/2025 10:48</a:t>
+              <a:t>29/06/2025 21:25</a:t>
             </a:fld>
             <a:endParaRPr lang="en-NL"/>
           </a:p>
@@ -4122,7 +4329,7 @@
           <a:p>
             <a:fld id="{756B2C0E-5920-4381-8B59-3D5FF63B3672}" type="datetime8">
               <a:rPr lang="en-NL" smtClean="0"/>
-              <a:t>10/06/2025 10:48</a:t>
+              <a:t>29/06/2025 21:25</a:t>
             </a:fld>
             <a:endParaRPr lang="en-NL"/>
           </a:p>
@@ -4264,7 +4471,7 @@
           <a:p>
             <a:fld id="{AEBDE313-6CCD-4BA8-9174-7388779128D0}" type="datetime8">
               <a:rPr lang="en-NL" smtClean="0"/>
-              <a:t>10/06/2025 10:48</a:t>
+              <a:t>29/06/2025 21:25</a:t>
             </a:fld>
             <a:endParaRPr lang="en-NL"/>
           </a:p>
@@ -4377,7 +4584,7 @@
           <a:p>
             <a:fld id="{5D700583-A955-4924-9CB5-EE41BC535FD9}" type="datetime8">
               <a:rPr lang="en-NL" smtClean="0"/>
-              <a:t>10/06/2025 10:48</a:t>
+              <a:t>29/06/2025 21:25</a:t>
             </a:fld>
             <a:endParaRPr lang="en-NL"/>
           </a:p>
@@ -4690,7 +4897,7 @@
           <a:p>
             <a:fld id="{90CF0EBF-67E2-46B7-B911-34A828BF3E5B}" type="datetime8">
               <a:rPr lang="en-NL" smtClean="0"/>
-              <a:t>10/06/2025 10:48</a:t>
+              <a:t>29/06/2025 21:25</a:t>
             </a:fld>
             <a:endParaRPr lang="en-NL"/>
           </a:p>
@@ -4979,7 +5186,7 @@
           <a:p>
             <a:fld id="{DE8751BB-B415-4D95-9571-2717B38488C0}" type="datetime8">
               <a:rPr lang="en-NL" smtClean="0"/>
-              <a:t>10/06/2025 10:48</a:t>
+              <a:t>29/06/2025 21:25</a:t>
             </a:fld>
             <a:endParaRPr lang="en-NL"/>
           </a:p>
@@ -5222,7 +5429,7 @@
           <a:p>
             <a:fld id="{92957BF3-8CFF-457E-AEC3-6C8A25347A29}" type="datetime8">
               <a:rPr lang="en-NL" smtClean="0"/>
-              <a:t>10/06/2025 10:48</a:t>
+              <a:t>29/06/2025 21:25</a:t>
             </a:fld>
             <a:endParaRPr lang="en-NL"/>
           </a:p>
@@ -11955,6 +12162,147 @@
           <a:chExt cx="0" cy="0"/>
         </a:xfrm>
       </p:grpSpPr>
+      <p:sp>
+        <p:nvSpPr>
+          <p:cNvPr id="24" name="Rechthoek 5">
+            <a:extLst>
+              <a:ext uri="{FF2B5EF4-FFF2-40B4-BE49-F238E27FC236}">
+                <a16:creationId xmlns:a16="http://schemas.microsoft.com/office/drawing/2014/main" id="{875A84FD-C118-9BF2-F2C1-4DE2F2F06956}"/>
+              </a:ext>
+            </a:extLst>
+          </p:cNvPr>
+          <p:cNvSpPr/>
+          <p:nvPr/>
+        </p:nvSpPr>
+        <p:spPr>
+          <a:xfrm rot="5103518">
+            <a:off x="2000445" y="2675389"/>
+            <a:ext cx="36000" cy="177795"/>
+          </a:xfrm>
+          <a:prstGeom prst="rect">
+            <a:avLst/>
+          </a:prstGeom>
+          <a:gradFill flip="none" rotWithShape="1">
+            <a:gsLst>
+              <a:gs pos="0">
+                <a:schemeClr val="bg1"/>
+              </a:gs>
+              <a:gs pos="50000">
+                <a:srgbClr val="FF0000"/>
+              </a:gs>
+              <a:gs pos="100000">
+                <a:schemeClr val="bg1">
+                  <a:lumMod val="95000"/>
+                </a:schemeClr>
+              </a:gs>
+            </a:gsLst>
+            <a:lin ang="0" scaled="1"/>
+            <a:tileRect/>
+          </a:gradFill>
+          <a:ln w="0">
+            <a:noFill/>
+          </a:ln>
+        </p:spPr>
+        <p:style>
+          <a:lnRef idx="2">
+            <a:schemeClr val="accent1">
+              <a:shade val="50000"/>
+            </a:schemeClr>
+          </a:lnRef>
+          <a:fillRef idx="1">
+            <a:schemeClr val="accent1"/>
+          </a:fillRef>
+          <a:effectRef idx="0">
+            <a:schemeClr val="accent1"/>
+          </a:effectRef>
+          <a:fontRef idx="minor">
+            <a:schemeClr val="lt1"/>
+          </a:fontRef>
+        </p:style>
+        <p:txBody>
+          <a:bodyPr rtlCol="0" anchor="ctr"/>
+          <a:lstStyle/>
+          <a:p>
+            <a:pPr algn="ctr"/>
+            <a:endParaRPr lang="nl-NL"/>
+          </a:p>
+        </p:txBody>
+      </p:sp>
+      <p:sp>
+        <p:nvSpPr>
+          <p:cNvPr id="28" name="Rechthoek 6">
+            <a:extLst>
+              <a:ext uri="{FF2B5EF4-FFF2-40B4-BE49-F238E27FC236}">
+                <a16:creationId xmlns:a16="http://schemas.microsoft.com/office/drawing/2014/main" id="{07CD7CBE-8D82-A0BC-F83A-71992380C896}"/>
+              </a:ext>
+            </a:extLst>
+          </p:cNvPr>
+          <p:cNvSpPr/>
+          <p:nvPr/>
+        </p:nvSpPr>
+        <p:spPr>
+          <a:xfrm rot="16200000">
+            <a:off x="1985533" y="2710601"/>
+            <a:ext cx="36000" cy="157602"/>
+          </a:xfrm>
+          <a:prstGeom prst="rect">
+            <a:avLst/>
+          </a:prstGeom>
+          <a:gradFill flip="none" rotWithShape="1">
+            <a:gsLst>
+              <a:gs pos="0">
+                <a:schemeClr val="accent6">
+                  <a:lumMod val="60000"/>
+                  <a:lumOff val="40000"/>
+                  <a:alpha val="40000"/>
+                </a:schemeClr>
+              </a:gs>
+              <a:gs pos="50000">
+                <a:schemeClr val="accent6">
+                  <a:lumMod val="75000"/>
+                  <a:alpha val="40000"/>
+                </a:schemeClr>
+              </a:gs>
+              <a:gs pos="100000">
+                <a:schemeClr val="accent6">
+                  <a:lumMod val="60000"/>
+                  <a:lumOff val="40000"/>
+                  <a:alpha val="40000"/>
+                </a:schemeClr>
+              </a:gs>
+            </a:gsLst>
+            <a:lin ang="0" scaled="1"/>
+            <a:tileRect/>
+          </a:gradFill>
+          <a:ln w="0">
+            <a:noFill/>
+          </a:ln>
+        </p:spPr>
+        <p:style>
+          <a:lnRef idx="2">
+            <a:schemeClr val="accent1">
+              <a:shade val="50000"/>
+            </a:schemeClr>
+          </a:lnRef>
+          <a:fillRef idx="1">
+            <a:schemeClr val="accent1"/>
+          </a:fillRef>
+          <a:effectRef idx="0">
+            <a:schemeClr val="accent1"/>
+          </a:effectRef>
+          <a:fontRef idx="minor">
+            <a:schemeClr val="lt1"/>
+          </a:fontRef>
+        </p:style>
+        <p:txBody>
+          <a:bodyPr rtlCol="0" anchor="ctr"/>
+          <a:lstStyle/>
+          <a:p>
+            <a:pPr algn="ctr"/>
+            <a:endParaRPr lang="nl-NL"/>
+          </a:p>
+        </p:txBody>
+      </p:sp>
       <p:grpSp>
         <p:nvGrpSpPr>
           <p:cNvPr id="4" name="Groep 28">
@@ -12614,6 +12962,725 @@
           </p:txBody>
         </p:sp>
       </p:grpSp>
+      <p:sp>
+        <p:nvSpPr>
+          <p:cNvPr id="23" name="Rechthoek 5">
+            <a:extLst>
+              <a:ext uri="{FF2B5EF4-FFF2-40B4-BE49-F238E27FC236}">
+                <a16:creationId xmlns:a16="http://schemas.microsoft.com/office/drawing/2014/main" id="{59860FC3-CC86-C75B-6C2F-0B8460DC2120}"/>
+              </a:ext>
+            </a:extLst>
+          </p:cNvPr>
+          <p:cNvSpPr/>
+          <p:nvPr/>
+        </p:nvSpPr>
+        <p:spPr>
+          <a:xfrm rot="5104633">
+            <a:off x="5322246" y="-766634"/>
+            <a:ext cx="36000" cy="6483555"/>
+          </a:xfrm>
+          <a:prstGeom prst="rect">
+            <a:avLst/>
+          </a:prstGeom>
+          <a:gradFill flip="none" rotWithShape="1">
+            <a:gsLst>
+              <a:gs pos="0">
+                <a:schemeClr val="bg1"/>
+              </a:gs>
+              <a:gs pos="50000">
+                <a:srgbClr val="FF0000"/>
+              </a:gs>
+              <a:gs pos="100000">
+                <a:schemeClr val="bg1"/>
+              </a:gs>
+            </a:gsLst>
+            <a:lin ang="0" scaled="1"/>
+            <a:tileRect/>
+          </a:gradFill>
+          <a:ln w="0">
+            <a:noFill/>
+          </a:ln>
+        </p:spPr>
+        <p:style>
+          <a:lnRef idx="2">
+            <a:schemeClr val="accent1">
+              <a:shade val="50000"/>
+            </a:schemeClr>
+          </a:lnRef>
+          <a:fillRef idx="1">
+            <a:schemeClr val="accent1"/>
+          </a:fillRef>
+          <a:effectRef idx="0">
+            <a:schemeClr val="accent1"/>
+          </a:effectRef>
+          <a:fontRef idx="minor">
+            <a:schemeClr val="lt1"/>
+          </a:fontRef>
+        </p:style>
+        <p:txBody>
+          <a:bodyPr rtlCol="0" anchor="ctr"/>
+          <a:lstStyle/>
+          <a:p>
+            <a:pPr algn="ctr"/>
+            <a:endParaRPr lang="nl-NL" dirty="0"/>
+          </a:p>
+        </p:txBody>
+      </p:sp>
+      <p:sp>
+        <p:nvSpPr>
+          <p:cNvPr id="26" name="Rechthoek 6">
+            <a:extLst>
+              <a:ext uri="{FF2B5EF4-FFF2-40B4-BE49-F238E27FC236}">
+                <a16:creationId xmlns:a16="http://schemas.microsoft.com/office/drawing/2014/main" id="{A30AD671-5AD3-3EB7-3B33-27D229C81785}"/>
+              </a:ext>
+            </a:extLst>
+          </p:cNvPr>
+          <p:cNvSpPr/>
+          <p:nvPr/>
+        </p:nvSpPr>
+        <p:spPr>
+          <a:xfrm rot="10800000">
+            <a:off x="3618784" y="2762394"/>
+            <a:ext cx="72482" cy="1390989"/>
+          </a:xfrm>
+          <a:prstGeom prst="rect">
+            <a:avLst/>
+          </a:prstGeom>
+          <a:gradFill flip="none" rotWithShape="1">
+            <a:gsLst>
+              <a:gs pos="0">
+                <a:schemeClr val="accent6">
+                  <a:lumMod val="60000"/>
+                  <a:lumOff val="40000"/>
+                </a:schemeClr>
+              </a:gs>
+              <a:gs pos="50000">
+                <a:schemeClr val="accent6">
+                  <a:lumMod val="75000"/>
+                </a:schemeClr>
+              </a:gs>
+              <a:gs pos="100000">
+                <a:schemeClr val="accent6">
+                  <a:lumMod val="60000"/>
+                  <a:lumOff val="40000"/>
+                </a:schemeClr>
+              </a:gs>
+            </a:gsLst>
+            <a:lin ang="0" scaled="1"/>
+            <a:tileRect/>
+          </a:gradFill>
+          <a:ln w="0">
+            <a:noFill/>
+          </a:ln>
+        </p:spPr>
+        <p:style>
+          <a:lnRef idx="2">
+            <a:schemeClr val="accent1">
+              <a:shade val="50000"/>
+            </a:schemeClr>
+          </a:lnRef>
+          <a:fillRef idx="1">
+            <a:schemeClr val="accent1"/>
+          </a:fillRef>
+          <a:effectRef idx="0">
+            <a:schemeClr val="accent1"/>
+          </a:effectRef>
+          <a:fontRef idx="minor">
+            <a:schemeClr val="lt1"/>
+          </a:fontRef>
+        </p:style>
+        <p:txBody>
+          <a:bodyPr rtlCol="0" anchor="ctr"/>
+          <a:lstStyle/>
+          <a:p>
+            <a:pPr algn="ctr"/>
+            <a:endParaRPr lang="nl-NL"/>
+          </a:p>
+        </p:txBody>
+      </p:sp>
+      <p:sp>
+        <p:nvSpPr>
+          <p:cNvPr id="27" name="Rechthoek 6">
+            <a:extLst>
+              <a:ext uri="{FF2B5EF4-FFF2-40B4-BE49-F238E27FC236}">
+                <a16:creationId xmlns:a16="http://schemas.microsoft.com/office/drawing/2014/main" id="{D44ABE6A-2D40-3204-A1FB-4F02A67035DD}"/>
+              </a:ext>
+            </a:extLst>
+          </p:cNvPr>
+          <p:cNvSpPr/>
+          <p:nvPr/>
+        </p:nvSpPr>
+        <p:spPr>
+          <a:xfrm rot="16200000">
+            <a:off x="2852119" y="2015492"/>
+            <a:ext cx="36000" cy="1537378"/>
+          </a:xfrm>
+          <a:prstGeom prst="rect">
+            <a:avLst/>
+          </a:prstGeom>
+          <a:gradFill flip="none" rotWithShape="1">
+            <a:gsLst>
+              <a:gs pos="0">
+                <a:schemeClr val="accent6">
+                  <a:lumMod val="60000"/>
+                  <a:lumOff val="40000"/>
+                </a:schemeClr>
+              </a:gs>
+              <a:gs pos="50000">
+                <a:schemeClr val="accent6">
+                  <a:lumMod val="75000"/>
+                </a:schemeClr>
+              </a:gs>
+              <a:gs pos="100000">
+                <a:schemeClr val="accent6">
+                  <a:lumMod val="60000"/>
+                  <a:lumOff val="40000"/>
+                </a:schemeClr>
+              </a:gs>
+            </a:gsLst>
+            <a:lin ang="0" scaled="1"/>
+            <a:tileRect/>
+          </a:gradFill>
+          <a:ln w="0">
+            <a:noFill/>
+          </a:ln>
+        </p:spPr>
+        <p:style>
+          <a:lnRef idx="2">
+            <a:schemeClr val="accent1">
+              <a:shade val="50000"/>
+            </a:schemeClr>
+          </a:lnRef>
+          <a:fillRef idx="1">
+            <a:schemeClr val="accent1"/>
+          </a:fillRef>
+          <a:effectRef idx="0">
+            <a:schemeClr val="accent1"/>
+          </a:effectRef>
+          <a:fontRef idx="minor">
+            <a:schemeClr val="lt1"/>
+          </a:fontRef>
+        </p:style>
+        <p:txBody>
+          <a:bodyPr rtlCol="0" anchor="ctr"/>
+          <a:lstStyle/>
+          <a:p>
+            <a:pPr algn="ctr"/>
+            <a:endParaRPr lang="nl-NL"/>
+          </a:p>
+        </p:txBody>
+      </p:sp>
+      <p:sp>
+        <p:nvSpPr>
+          <p:cNvPr id="9" name="Rechthoek 16">
+            <a:extLst>
+              <a:ext uri="{FF2B5EF4-FFF2-40B4-BE49-F238E27FC236}">
+                <a16:creationId xmlns:a16="http://schemas.microsoft.com/office/drawing/2014/main" id="{B9C53F90-3F85-498D-8FAB-5D82370FE30D}"/>
+              </a:ext>
+            </a:extLst>
+          </p:cNvPr>
+          <p:cNvSpPr/>
+          <p:nvPr/>
+        </p:nvSpPr>
+        <p:spPr>
+          <a:xfrm rot="7986841" flipH="1">
+            <a:off x="3718993" y="2618290"/>
+            <a:ext cx="67945" cy="440736"/>
+          </a:xfrm>
+          <a:prstGeom prst="rect">
+            <a:avLst/>
+          </a:prstGeom>
+          <a:gradFill>
+            <a:gsLst>
+              <a:gs pos="51000">
+                <a:schemeClr val="accent1">
+                  <a:lumMod val="20000"/>
+                  <a:lumOff val="80000"/>
+                </a:schemeClr>
+              </a:gs>
+              <a:gs pos="100000">
+                <a:schemeClr val="accent1">
+                  <a:lumMod val="60000"/>
+                  <a:lumOff val="40000"/>
+                </a:schemeClr>
+              </a:gs>
+              <a:gs pos="0">
+                <a:schemeClr val="accent1">
+                  <a:lumMod val="60000"/>
+                  <a:lumOff val="40000"/>
+                </a:schemeClr>
+              </a:gs>
+            </a:gsLst>
+            <a:lin ang="5400000" scaled="0"/>
+          </a:gradFill>
+          <a:ln w="3175">
+            <a:solidFill>
+              <a:schemeClr val="tx1"/>
+            </a:solidFill>
+          </a:ln>
+          <a:effectLst>
+            <a:softEdge rad="0"/>
+          </a:effectLst>
+          <a:scene3d>
+            <a:camera prst="orthographicFront"/>
+            <a:lightRig rig="balanced" dir="t">
+              <a:rot lat="0" lon="0" rev="21594000"/>
+            </a:lightRig>
+          </a:scene3d>
+        </p:spPr>
+        <p:style>
+          <a:lnRef idx="2">
+            <a:schemeClr val="accent1">
+              <a:shade val="50000"/>
+            </a:schemeClr>
+          </a:lnRef>
+          <a:fillRef idx="1">
+            <a:schemeClr val="accent1"/>
+          </a:fillRef>
+          <a:effectRef idx="0">
+            <a:schemeClr val="accent1"/>
+          </a:effectRef>
+          <a:fontRef idx="minor">
+            <a:schemeClr val="lt1"/>
+          </a:fontRef>
+        </p:style>
+        <p:txBody>
+          <a:bodyPr rtlCol="0" anchor="ctr"/>
+          <a:lstStyle/>
+          <a:p>
+            <a:pPr algn="ctr"/>
+            <a:endParaRPr lang="nl-NL" b="0" dirty="0"/>
+          </a:p>
+          <a:p>
+            <a:pPr algn="ctr"/>
+            <a:endParaRPr lang="nl-NL" dirty="0"/>
+          </a:p>
+        </p:txBody>
+      </p:sp>
+      <p:sp>
+        <p:nvSpPr>
+          <p:cNvPr id="14" name="Ovaal 146">
+            <a:extLst>
+              <a:ext uri="{FF2B5EF4-FFF2-40B4-BE49-F238E27FC236}">
+                <a16:creationId xmlns:a16="http://schemas.microsoft.com/office/drawing/2014/main" id="{0829C144-C180-7E14-2DC0-7C1910DC498A}"/>
+              </a:ext>
+            </a:extLst>
+          </p:cNvPr>
+          <p:cNvSpPr/>
+          <p:nvPr/>
+        </p:nvSpPr>
+        <p:spPr>
+          <a:xfrm flipH="1">
+            <a:off x="2056986" y="2130660"/>
+            <a:ext cx="93694" cy="742345"/>
+          </a:xfrm>
+          <a:prstGeom prst="ellipse">
+            <a:avLst/>
+          </a:prstGeom>
+          <a:gradFill>
+            <a:gsLst>
+              <a:gs pos="0">
+                <a:schemeClr val="accent1">
+                  <a:lumMod val="5000"/>
+                  <a:lumOff val="95000"/>
+                </a:schemeClr>
+              </a:gs>
+              <a:gs pos="74000">
+                <a:schemeClr val="bg2">
+                  <a:lumMod val="75000"/>
+                </a:schemeClr>
+              </a:gs>
+              <a:gs pos="83000">
+                <a:schemeClr val="bg2">
+                  <a:lumMod val="50000"/>
+                </a:schemeClr>
+              </a:gs>
+              <a:gs pos="100000">
+                <a:schemeClr val="bg2">
+                  <a:lumMod val="75000"/>
+                </a:schemeClr>
+              </a:gs>
+            </a:gsLst>
+            <a:lin ang="5400000" scaled="1"/>
+          </a:gradFill>
+          <a:ln w="0">
+            <a:solidFill>
+              <a:schemeClr val="tx1"/>
+            </a:solidFill>
+          </a:ln>
+        </p:spPr>
+        <p:style>
+          <a:lnRef idx="2">
+            <a:schemeClr val="accent1">
+              <a:shade val="50000"/>
+            </a:schemeClr>
+          </a:lnRef>
+          <a:fillRef idx="1">
+            <a:schemeClr val="accent1"/>
+          </a:fillRef>
+          <a:effectRef idx="0">
+            <a:schemeClr val="accent1"/>
+          </a:effectRef>
+          <a:fontRef idx="minor">
+            <a:schemeClr val="lt1"/>
+          </a:fontRef>
+        </p:style>
+        <p:txBody>
+          <a:bodyPr rtlCol="0" anchor="ctr"/>
+          <a:lstStyle/>
+          <a:p>
+            <a:pPr algn="ctr"/>
+            <a:endParaRPr lang="nl-NL"/>
+          </a:p>
+        </p:txBody>
+      </p:sp>
+      <p:sp>
+        <p:nvSpPr>
+          <p:cNvPr id="29" name="TextBox 28">
+            <a:extLst>
+              <a:ext uri="{FF2B5EF4-FFF2-40B4-BE49-F238E27FC236}">
+                <a16:creationId xmlns:a16="http://schemas.microsoft.com/office/drawing/2014/main" id="{0F41DBBF-0F0E-778F-01A0-A6E63E3F40A9}"/>
+              </a:ext>
+            </a:extLst>
+          </p:cNvPr>
+          <p:cNvSpPr txBox="1"/>
+          <p:nvPr/>
+        </p:nvSpPr>
+        <p:spPr>
+          <a:xfrm>
+            <a:off x="9150897" y="3441496"/>
+            <a:ext cx="2020949" cy="307777"/>
+          </a:xfrm>
+          <a:prstGeom prst="rect">
+            <a:avLst/>
+          </a:prstGeom>
+          <a:noFill/>
+        </p:spPr>
+        <p:txBody>
+          <a:bodyPr wrap="square" rtlCol="0">
+            <a:spAutoFit/>
+          </a:bodyPr>
+          <a:lstStyle/>
+          <a:p>
+            <a:r>
+              <a:rPr lang="en-US" sz="1400" dirty="0"/>
+              <a:t>Delay Stage</a:t>
+            </a:r>
+            <a:endParaRPr lang="en-NL" sz="1400" dirty="0"/>
+          </a:p>
+        </p:txBody>
+      </p:sp>
+      <p:sp>
+        <p:nvSpPr>
+          <p:cNvPr id="30" name="TextBox 29">
+            <a:extLst>
+              <a:ext uri="{FF2B5EF4-FFF2-40B4-BE49-F238E27FC236}">
+                <a16:creationId xmlns:a16="http://schemas.microsoft.com/office/drawing/2014/main" id="{354B5C0B-582C-5B17-CEFE-106D8A1D4D20}"/>
+              </a:ext>
+            </a:extLst>
+          </p:cNvPr>
+          <p:cNvSpPr txBox="1"/>
+          <p:nvPr/>
+        </p:nvSpPr>
+        <p:spPr>
+          <a:xfrm rot="21310005">
+            <a:off x="5799533" y="2048085"/>
+            <a:ext cx="2857803" cy="307777"/>
+          </a:xfrm>
+          <a:prstGeom prst="rect">
+            <a:avLst/>
+          </a:prstGeom>
+          <a:noFill/>
+        </p:spPr>
+        <p:txBody>
+          <a:bodyPr wrap="square" rtlCol="0">
+            <a:spAutoFit/>
+          </a:bodyPr>
+          <a:lstStyle/>
+          <a:p>
+            <a:r>
+              <a:rPr lang="en-US" sz="1400" dirty="0"/>
+              <a:t>640 nm diode laser 25 </a:t>
+            </a:r>
+            <a:r>
+              <a:rPr lang="en-US" sz="1400" dirty="0" err="1"/>
+              <a:t>KHz</a:t>
+            </a:r>
+            <a:endParaRPr lang="en-NL" sz="1400" dirty="0"/>
+          </a:p>
+        </p:txBody>
+      </p:sp>
+      <p:sp>
+        <p:nvSpPr>
+          <p:cNvPr id="31" name="TextBox 30">
+            <a:extLst>
+              <a:ext uri="{FF2B5EF4-FFF2-40B4-BE49-F238E27FC236}">
+                <a16:creationId xmlns:a16="http://schemas.microsoft.com/office/drawing/2014/main" id="{D1C02433-2587-07E3-05BF-FF15F8AAC8EF}"/>
+              </a:ext>
+            </a:extLst>
+          </p:cNvPr>
+          <p:cNvSpPr txBox="1"/>
+          <p:nvPr/>
+        </p:nvSpPr>
+        <p:spPr>
+          <a:xfrm>
+            <a:off x="4141605" y="3866994"/>
+            <a:ext cx="2870160" cy="307777"/>
+          </a:xfrm>
+          <a:prstGeom prst="rect">
+            <a:avLst/>
+          </a:prstGeom>
+          <a:noFill/>
+        </p:spPr>
+        <p:txBody>
+          <a:bodyPr wrap="square" rtlCol="0">
+            <a:spAutoFit/>
+          </a:bodyPr>
+          <a:lstStyle/>
+          <a:p>
+            <a:r>
+              <a:rPr lang="en-US" sz="1400" dirty="0"/>
+              <a:t>520 nm diode laser 50 </a:t>
+            </a:r>
+            <a:r>
+              <a:rPr lang="en-US" sz="1400" dirty="0" err="1"/>
+              <a:t>KHz</a:t>
+            </a:r>
+            <a:endParaRPr lang="en-NL" sz="1400" dirty="0"/>
+          </a:p>
+        </p:txBody>
+      </p:sp>
+      <p:sp>
+        <p:nvSpPr>
+          <p:cNvPr id="32" name="TextBox 31">
+            <a:extLst>
+              <a:ext uri="{FF2B5EF4-FFF2-40B4-BE49-F238E27FC236}">
+                <a16:creationId xmlns:a16="http://schemas.microsoft.com/office/drawing/2014/main" id="{FFC4816C-A09E-55A1-02C8-CFC33B317FB2}"/>
+              </a:ext>
+            </a:extLst>
+          </p:cNvPr>
+          <p:cNvSpPr txBox="1"/>
+          <p:nvPr/>
+        </p:nvSpPr>
+        <p:spPr>
+          <a:xfrm>
+            <a:off x="1275153" y="2248068"/>
+            <a:ext cx="2020949" cy="307777"/>
+          </a:xfrm>
+          <a:prstGeom prst="rect">
+            <a:avLst/>
+          </a:prstGeom>
+          <a:noFill/>
+        </p:spPr>
+        <p:txBody>
+          <a:bodyPr wrap="square" rtlCol="0">
+            <a:spAutoFit/>
+          </a:bodyPr>
+          <a:lstStyle/>
+          <a:p>
+            <a:r>
+              <a:rPr lang="en-US" sz="1400" dirty="0"/>
+              <a:t>Camera</a:t>
+            </a:r>
+            <a:endParaRPr lang="en-NL" sz="1400" dirty="0"/>
+          </a:p>
+        </p:txBody>
+      </p:sp>
+      <p:sp>
+        <p:nvSpPr>
+          <p:cNvPr id="33" name="TextBox 32">
+            <a:extLst>
+              <a:ext uri="{FF2B5EF4-FFF2-40B4-BE49-F238E27FC236}">
+                <a16:creationId xmlns:a16="http://schemas.microsoft.com/office/drawing/2014/main" id="{3A03175D-260E-6E24-0F67-63C307956326}"/>
+              </a:ext>
+            </a:extLst>
+          </p:cNvPr>
+          <p:cNvSpPr txBox="1"/>
+          <p:nvPr/>
+        </p:nvSpPr>
+        <p:spPr>
+          <a:xfrm>
+            <a:off x="1795682" y="1891893"/>
+            <a:ext cx="2020949" cy="307777"/>
+          </a:xfrm>
+          <a:prstGeom prst="rect">
+            <a:avLst/>
+          </a:prstGeom>
+          <a:noFill/>
+        </p:spPr>
+        <p:txBody>
+          <a:bodyPr wrap="square" rtlCol="0">
+            <a:spAutoFit/>
+          </a:bodyPr>
+          <a:lstStyle/>
+          <a:p>
+            <a:r>
+              <a:rPr lang="en-US" sz="1400" dirty="0"/>
+              <a:t>Neutral Density Filter</a:t>
+            </a:r>
+            <a:endParaRPr lang="en-NL" sz="1400" dirty="0"/>
+          </a:p>
+        </p:txBody>
+      </p:sp>
+      <p:sp>
+        <p:nvSpPr>
+          <p:cNvPr id="25" name="Rechthoek 6">
+            <a:extLst>
+              <a:ext uri="{FF2B5EF4-FFF2-40B4-BE49-F238E27FC236}">
+                <a16:creationId xmlns:a16="http://schemas.microsoft.com/office/drawing/2014/main" id="{4F8F3C2F-1B55-E7C5-61A4-66070DCAEAD3}"/>
+              </a:ext>
+            </a:extLst>
+          </p:cNvPr>
+          <p:cNvSpPr/>
+          <p:nvPr/>
+        </p:nvSpPr>
+        <p:spPr>
+          <a:xfrm rot="5400000">
+            <a:off x="5790703" y="1957920"/>
+            <a:ext cx="36000" cy="4339789"/>
+          </a:xfrm>
+          <a:prstGeom prst="rect">
+            <a:avLst/>
+          </a:prstGeom>
+          <a:gradFill flip="none" rotWithShape="1">
+            <a:gsLst>
+              <a:gs pos="0">
+                <a:schemeClr val="accent6">
+                  <a:lumMod val="60000"/>
+                  <a:lumOff val="40000"/>
+                </a:schemeClr>
+              </a:gs>
+              <a:gs pos="50000">
+                <a:schemeClr val="accent6">
+                  <a:lumMod val="75000"/>
+                </a:schemeClr>
+              </a:gs>
+              <a:gs pos="100000">
+                <a:schemeClr val="accent6">
+                  <a:lumMod val="60000"/>
+                  <a:lumOff val="40000"/>
+                </a:schemeClr>
+              </a:gs>
+            </a:gsLst>
+            <a:lin ang="0" scaled="1"/>
+            <a:tileRect/>
+          </a:gradFill>
+          <a:ln w="0">
+            <a:noFill/>
+          </a:ln>
+        </p:spPr>
+        <p:style>
+          <a:lnRef idx="2">
+            <a:schemeClr val="accent1">
+              <a:shade val="50000"/>
+            </a:schemeClr>
+          </a:lnRef>
+          <a:fillRef idx="1">
+            <a:schemeClr val="accent1"/>
+          </a:fillRef>
+          <a:effectRef idx="0">
+            <a:schemeClr val="accent1"/>
+          </a:effectRef>
+          <a:fontRef idx="minor">
+            <a:schemeClr val="lt1"/>
+          </a:fontRef>
+        </p:style>
+        <p:txBody>
+          <a:bodyPr rtlCol="0" anchor="ctr"/>
+          <a:lstStyle/>
+          <a:p>
+            <a:pPr algn="ctr"/>
+            <a:endParaRPr lang="nl-NL"/>
+          </a:p>
+        </p:txBody>
+      </p:sp>
+      <p:sp>
+        <p:nvSpPr>
+          <p:cNvPr id="8" name="Rechthoek 16">
+            <a:extLst>
+              <a:ext uri="{FF2B5EF4-FFF2-40B4-BE49-F238E27FC236}">
+                <a16:creationId xmlns:a16="http://schemas.microsoft.com/office/drawing/2014/main" id="{07D08577-4DED-4B58-1C2D-B540CCA9FD4B}"/>
+              </a:ext>
+            </a:extLst>
+          </p:cNvPr>
+          <p:cNvSpPr/>
+          <p:nvPr/>
+        </p:nvSpPr>
+        <p:spPr>
+          <a:xfrm rot="7843172" flipH="1">
+            <a:off x="3593476" y="3925518"/>
+            <a:ext cx="67945" cy="440736"/>
+          </a:xfrm>
+          <a:prstGeom prst="rect">
+            <a:avLst/>
+          </a:prstGeom>
+          <a:gradFill>
+            <a:gsLst>
+              <a:gs pos="51000">
+                <a:schemeClr val="accent1">
+                  <a:lumMod val="20000"/>
+                  <a:lumOff val="80000"/>
+                </a:schemeClr>
+              </a:gs>
+              <a:gs pos="100000">
+                <a:schemeClr val="accent1">
+                  <a:lumMod val="60000"/>
+                  <a:lumOff val="40000"/>
+                </a:schemeClr>
+              </a:gs>
+              <a:gs pos="0">
+                <a:schemeClr val="accent1">
+                  <a:lumMod val="60000"/>
+                  <a:lumOff val="40000"/>
+                </a:schemeClr>
+              </a:gs>
+            </a:gsLst>
+            <a:lin ang="5400000" scaled="0"/>
+          </a:gradFill>
+          <a:ln w="3175">
+            <a:solidFill>
+              <a:schemeClr val="tx1"/>
+            </a:solidFill>
+          </a:ln>
+          <a:effectLst>
+            <a:softEdge rad="0"/>
+          </a:effectLst>
+          <a:scene3d>
+            <a:camera prst="orthographicFront"/>
+            <a:lightRig rig="balanced" dir="t">
+              <a:rot lat="0" lon="0" rev="21594000"/>
+            </a:lightRig>
+          </a:scene3d>
+        </p:spPr>
+        <p:style>
+          <a:lnRef idx="2">
+            <a:schemeClr val="accent1">
+              <a:shade val="50000"/>
+            </a:schemeClr>
+          </a:lnRef>
+          <a:fillRef idx="1">
+            <a:schemeClr val="accent1"/>
+          </a:fillRef>
+          <a:effectRef idx="0">
+            <a:schemeClr val="accent1"/>
+          </a:effectRef>
+          <a:fontRef idx="minor">
+            <a:schemeClr val="lt1"/>
+          </a:fontRef>
+        </p:style>
+        <p:txBody>
+          <a:bodyPr rtlCol="0" anchor="ctr"/>
+          <a:lstStyle/>
+          <a:p>
+            <a:pPr algn="ctr"/>
+            <a:endParaRPr lang="nl-NL" b="0" dirty="0"/>
+          </a:p>
+          <a:p>
+            <a:pPr algn="ctr"/>
+            <a:endParaRPr lang="nl-NL" dirty="0"/>
+          </a:p>
+        </p:txBody>
+      </p:sp>
       <p:grpSp>
         <p:nvGrpSpPr>
           <p:cNvPr id="19" name="Groep 28">
@@ -12627,8 +13694,8 @@
           <p:nvPr/>
         </p:nvGrpSpPr>
         <p:grpSpPr>
-          <a:xfrm rot="10800000">
-            <a:off x="8609579" y="2665333"/>
+          <a:xfrm rot="10465736">
+            <a:off x="8492100" y="2059412"/>
             <a:ext cx="500830" cy="249180"/>
             <a:chOff x="2785257" y="4150718"/>
             <a:chExt cx="276650" cy="521176"/>
@@ -12850,858 +13917,6 @@
           </p:txBody>
         </p:sp>
       </p:grpSp>
-      <p:sp>
-        <p:nvSpPr>
-          <p:cNvPr id="23" name="Rechthoek 5">
-            <a:extLst>
-              <a:ext uri="{FF2B5EF4-FFF2-40B4-BE49-F238E27FC236}">
-                <a16:creationId xmlns:a16="http://schemas.microsoft.com/office/drawing/2014/main" id="{59860FC3-CC86-C75B-6C2F-0B8460DC2120}"/>
-              </a:ext>
-            </a:extLst>
-          </p:cNvPr>
-          <p:cNvSpPr/>
-          <p:nvPr/>
-        </p:nvSpPr>
-        <p:spPr>
-          <a:xfrm rot="5400000">
-            <a:off x="5349801" y="-461381"/>
-            <a:ext cx="36000" cy="6483555"/>
-          </a:xfrm>
-          <a:prstGeom prst="rect">
-            <a:avLst/>
-          </a:prstGeom>
-          <a:gradFill flip="none" rotWithShape="1">
-            <a:gsLst>
-              <a:gs pos="0">
-                <a:schemeClr val="bg1"/>
-              </a:gs>
-              <a:gs pos="50000">
-                <a:srgbClr val="FF0000"/>
-              </a:gs>
-              <a:gs pos="100000">
-                <a:schemeClr val="bg1"/>
-              </a:gs>
-            </a:gsLst>
-            <a:lin ang="0" scaled="1"/>
-            <a:tileRect/>
-          </a:gradFill>
-          <a:ln w="0">
-            <a:noFill/>
-          </a:ln>
-        </p:spPr>
-        <p:style>
-          <a:lnRef idx="2">
-            <a:schemeClr val="accent1">
-              <a:shade val="50000"/>
-            </a:schemeClr>
-          </a:lnRef>
-          <a:fillRef idx="1">
-            <a:schemeClr val="accent1"/>
-          </a:fillRef>
-          <a:effectRef idx="0">
-            <a:schemeClr val="accent1"/>
-          </a:effectRef>
-          <a:fontRef idx="minor">
-            <a:schemeClr val="lt1"/>
-          </a:fontRef>
-        </p:style>
-        <p:txBody>
-          <a:bodyPr rtlCol="0" anchor="ctr"/>
-          <a:lstStyle/>
-          <a:p>
-            <a:pPr algn="ctr"/>
-            <a:endParaRPr lang="nl-NL" dirty="0"/>
-          </a:p>
-        </p:txBody>
-      </p:sp>
-      <p:sp>
-        <p:nvSpPr>
-          <p:cNvPr id="24" name="Rechthoek 5">
-            <a:extLst>
-              <a:ext uri="{FF2B5EF4-FFF2-40B4-BE49-F238E27FC236}">
-                <a16:creationId xmlns:a16="http://schemas.microsoft.com/office/drawing/2014/main" id="{875A84FD-C118-9BF2-F2C1-4DE2F2F06956}"/>
-              </a:ext>
-            </a:extLst>
-          </p:cNvPr>
-          <p:cNvSpPr/>
-          <p:nvPr/>
-        </p:nvSpPr>
-        <p:spPr>
-          <a:xfrm rot="5400000">
-            <a:off x="2010744" y="2691498"/>
-            <a:ext cx="36000" cy="177795"/>
-          </a:xfrm>
-          <a:prstGeom prst="rect">
-            <a:avLst/>
-          </a:prstGeom>
-          <a:gradFill flip="none" rotWithShape="1">
-            <a:gsLst>
-              <a:gs pos="0">
-                <a:schemeClr val="bg1"/>
-              </a:gs>
-              <a:gs pos="50000">
-                <a:srgbClr val="FF0000"/>
-              </a:gs>
-              <a:gs pos="100000">
-                <a:schemeClr val="bg1">
-                  <a:lumMod val="95000"/>
-                </a:schemeClr>
-              </a:gs>
-            </a:gsLst>
-            <a:lin ang="0" scaled="1"/>
-            <a:tileRect/>
-          </a:gradFill>
-          <a:ln w="0">
-            <a:noFill/>
-          </a:ln>
-        </p:spPr>
-        <p:style>
-          <a:lnRef idx="2">
-            <a:schemeClr val="accent1">
-              <a:shade val="50000"/>
-            </a:schemeClr>
-          </a:lnRef>
-          <a:fillRef idx="1">
-            <a:schemeClr val="accent1"/>
-          </a:fillRef>
-          <a:effectRef idx="0">
-            <a:schemeClr val="accent1"/>
-          </a:effectRef>
-          <a:fontRef idx="minor">
-            <a:schemeClr val="lt1"/>
-          </a:fontRef>
-        </p:style>
-        <p:txBody>
-          <a:bodyPr rtlCol="0" anchor="ctr"/>
-          <a:lstStyle/>
-          <a:p>
-            <a:pPr algn="ctr"/>
-            <a:endParaRPr lang="nl-NL"/>
-          </a:p>
-        </p:txBody>
-      </p:sp>
-      <p:sp>
-        <p:nvSpPr>
-          <p:cNvPr id="26" name="Rechthoek 6">
-            <a:extLst>
-              <a:ext uri="{FF2B5EF4-FFF2-40B4-BE49-F238E27FC236}">
-                <a16:creationId xmlns:a16="http://schemas.microsoft.com/office/drawing/2014/main" id="{A30AD671-5AD3-3EB7-3B33-27D229C81785}"/>
-              </a:ext>
-            </a:extLst>
-          </p:cNvPr>
-          <p:cNvSpPr/>
-          <p:nvPr/>
-        </p:nvSpPr>
-        <p:spPr>
-          <a:xfrm rot="10800000">
-            <a:off x="3628504" y="2550273"/>
-            <a:ext cx="36000" cy="1603113"/>
-          </a:xfrm>
-          <a:prstGeom prst="rect">
-            <a:avLst/>
-          </a:prstGeom>
-          <a:gradFill flip="none" rotWithShape="1">
-            <a:gsLst>
-              <a:gs pos="0">
-                <a:schemeClr val="accent6">
-                  <a:lumMod val="60000"/>
-                  <a:lumOff val="40000"/>
-                </a:schemeClr>
-              </a:gs>
-              <a:gs pos="50000">
-                <a:schemeClr val="accent6">
-                  <a:lumMod val="75000"/>
-                </a:schemeClr>
-              </a:gs>
-              <a:gs pos="100000">
-                <a:schemeClr val="accent6">
-                  <a:lumMod val="60000"/>
-                  <a:lumOff val="40000"/>
-                </a:schemeClr>
-              </a:gs>
-            </a:gsLst>
-            <a:lin ang="0" scaled="1"/>
-            <a:tileRect/>
-          </a:gradFill>
-          <a:ln w="0">
-            <a:noFill/>
-          </a:ln>
-        </p:spPr>
-        <p:style>
-          <a:lnRef idx="2">
-            <a:schemeClr val="accent1">
-              <a:shade val="50000"/>
-            </a:schemeClr>
-          </a:lnRef>
-          <a:fillRef idx="1">
-            <a:schemeClr val="accent1"/>
-          </a:fillRef>
-          <a:effectRef idx="0">
-            <a:schemeClr val="accent1"/>
-          </a:effectRef>
-          <a:fontRef idx="minor">
-            <a:schemeClr val="lt1"/>
-          </a:fontRef>
-        </p:style>
-        <p:txBody>
-          <a:bodyPr rtlCol="0" anchor="ctr"/>
-          <a:lstStyle/>
-          <a:p>
-            <a:pPr algn="ctr"/>
-            <a:endParaRPr lang="nl-NL"/>
-          </a:p>
-        </p:txBody>
-      </p:sp>
-      <p:sp>
-        <p:nvSpPr>
-          <p:cNvPr id="27" name="Rechthoek 6">
-            <a:extLst>
-              <a:ext uri="{FF2B5EF4-FFF2-40B4-BE49-F238E27FC236}">
-                <a16:creationId xmlns:a16="http://schemas.microsoft.com/office/drawing/2014/main" id="{D44ABE6A-2D40-3204-A1FB-4F02A67035DD}"/>
-              </a:ext>
-            </a:extLst>
-          </p:cNvPr>
-          <p:cNvSpPr/>
-          <p:nvPr/>
-        </p:nvSpPr>
-        <p:spPr>
-          <a:xfrm rot="15744417">
-            <a:off x="2870400" y="1895342"/>
-            <a:ext cx="36000" cy="1537378"/>
-          </a:xfrm>
-          <a:prstGeom prst="rect">
-            <a:avLst/>
-          </a:prstGeom>
-          <a:gradFill flip="none" rotWithShape="1">
-            <a:gsLst>
-              <a:gs pos="0">
-                <a:schemeClr val="accent6">
-                  <a:lumMod val="60000"/>
-                  <a:lumOff val="40000"/>
-                </a:schemeClr>
-              </a:gs>
-              <a:gs pos="50000">
-                <a:schemeClr val="accent6">
-                  <a:lumMod val="75000"/>
-                </a:schemeClr>
-              </a:gs>
-              <a:gs pos="100000">
-                <a:schemeClr val="accent6">
-                  <a:lumMod val="60000"/>
-                  <a:lumOff val="40000"/>
-                </a:schemeClr>
-              </a:gs>
-            </a:gsLst>
-            <a:lin ang="0" scaled="1"/>
-            <a:tileRect/>
-          </a:gradFill>
-          <a:ln w="0">
-            <a:noFill/>
-          </a:ln>
-        </p:spPr>
-        <p:style>
-          <a:lnRef idx="2">
-            <a:schemeClr val="accent1">
-              <a:shade val="50000"/>
-            </a:schemeClr>
-          </a:lnRef>
-          <a:fillRef idx="1">
-            <a:schemeClr val="accent1"/>
-          </a:fillRef>
-          <a:effectRef idx="0">
-            <a:schemeClr val="accent1"/>
-          </a:effectRef>
-          <a:fontRef idx="minor">
-            <a:schemeClr val="lt1"/>
-          </a:fontRef>
-        </p:style>
-        <p:txBody>
-          <a:bodyPr rtlCol="0" anchor="ctr"/>
-          <a:lstStyle/>
-          <a:p>
-            <a:pPr algn="ctr"/>
-            <a:endParaRPr lang="nl-NL"/>
-          </a:p>
-        </p:txBody>
-      </p:sp>
-      <p:sp>
-        <p:nvSpPr>
-          <p:cNvPr id="9" name="Rechthoek 16">
-            <a:extLst>
-              <a:ext uri="{FF2B5EF4-FFF2-40B4-BE49-F238E27FC236}">
-                <a16:creationId xmlns:a16="http://schemas.microsoft.com/office/drawing/2014/main" id="{B9C53F90-3F85-498D-8FAB-5D82370FE30D}"/>
-              </a:ext>
-            </a:extLst>
-          </p:cNvPr>
-          <p:cNvSpPr/>
-          <p:nvPr/>
-        </p:nvSpPr>
-        <p:spPr>
-          <a:xfrm rot="8347647" flipH="1">
-            <a:off x="3584150" y="2281464"/>
-            <a:ext cx="67945" cy="440736"/>
-          </a:xfrm>
-          <a:prstGeom prst="rect">
-            <a:avLst/>
-          </a:prstGeom>
-          <a:gradFill>
-            <a:gsLst>
-              <a:gs pos="51000">
-                <a:schemeClr val="accent1">
-                  <a:lumMod val="20000"/>
-                  <a:lumOff val="80000"/>
-                </a:schemeClr>
-              </a:gs>
-              <a:gs pos="100000">
-                <a:schemeClr val="accent1">
-                  <a:lumMod val="60000"/>
-                  <a:lumOff val="40000"/>
-                </a:schemeClr>
-              </a:gs>
-              <a:gs pos="0">
-                <a:schemeClr val="accent1">
-                  <a:lumMod val="60000"/>
-                  <a:lumOff val="40000"/>
-                </a:schemeClr>
-              </a:gs>
-            </a:gsLst>
-            <a:lin ang="5400000" scaled="0"/>
-          </a:gradFill>
-          <a:ln w="3175">
-            <a:solidFill>
-              <a:schemeClr val="tx1"/>
-            </a:solidFill>
-          </a:ln>
-          <a:effectLst>
-            <a:softEdge rad="0"/>
-          </a:effectLst>
-          <a:scene3d>
-            <a:camera prst="orthographicFront"/>
-            <a:lightRig rig="balanced" dir="t">
-              <a:rot lat="0" lon="0" rev="21594000"/>
-            </a:lightRig>
-          </a:scene3d>
-        </p:spPr>
-        <p:style>
-          <a:lnRef idx="2">
-            <a:schemeClr val="accent1">
-              <a:shade val="50000"/>
-            </a:schemeClr>
-          </a:lnRef>
-          <a:fillRef idx="1">
-            <a:schemeClr val="accent1"/>
-          </a:fillRef>
-          <a:effectRef idx="0">
-            <a:schemeClr val="accent1"/>
-          </a:effectRef>
-          <a:fontRef idx="minor">
-            <a:schemeClr val="lt1"/>
-          </a:fontRef>
-        </p:style>
-        <p:txBody>
-          <a:bodyPr rtlCol="0" anchor="ctr"/>
-          <a:lstStyle/>
-          <a:p>
-            <a:pPr algn="ctr"/>
-            <a:endParaRPr lang="nl-NL" b="0" dirty="0"/>
-          </a:p>
-          <a:p>
-            <a:pPr algn="ctr"/>
-            <a:endParaRPr lang="nl-NL" dirty="0"/>
-          </a:p>
-        </p:txBody>
-      </p:sp>
-      <p:sp>
-        <p:nvSpPr>
-          <p:cNvPr id="28" name="Rechthoek 6">
-            <a:extLst>
-              <a:ext uri="{FF2B5EF4-FFF2-40B4-BE49-F238E27FC236}">
-                <a16:creationId xmlns:a16="http://schemas.microsoft.com/office/drawing/2014/main" id="{07CD7CBE-8D82-A0BC-F83A-71992380C896}"/>
-              </a:ext>
-            </a:extLst>
-          </p:cNvPr>
-          <p:cNvSpPr/>
-          <p:nvPr/>
-        </p:nvSpPr>
-        <p:spPr>
-          <a:xfrm rot="15744417">
-            <a:off x="2000408" y="2704750"/>
-            <a:ext cx="36000" cy="157602"/>
-          </a:xfrm>
-          <a:prstGeom prst="rect">
-            <a:avLst/>
-          </a:prstGeom>
-          <a:gradFill flip="none" rotWithShape="1">
-            <a:gsLst>
-              <a:gs pos="0">
-                <a:schemeClr val="accent6">
-                  <a:lumMod val="60000"/>
-                  <a:lumOff val="40000"/>
-                  <a:alpha val="40000"/>
-                </a:schemeClr>
-              </a:gs>
-              <a:gs pos="50000">
-                <a:schemeClr val="accent6">
-                  <a:lumMod val="75000"/>
-                  <a:alpha val="40000"/>
-                </a:schemeClr>
-              </a:gs>
-              <a:gs pos="100000">
-                <a:schemeClr val="accent6">
-                  <a:lumMod val="60000"/>
-                  <a:lumOff val="40000"/>
-                  <a:alpha val="40000"/>
-                </a:schemeClr>
-              </a:gs>
-            </a:gsLst>
-            <a:lin ang="0" scaled="1"/>
-            <a:tileRect/>
-          </a:gradFill>
-          <a:ln w="0">
-            <a:noFill/>
-          </a:ln>
-        </p:spPr>
-        <p:style>
-          <a:lnRef idx="2">
-            <a:schemeClr val="accent1">
-              <a:shade val="50000"/>
-            </a:schemeClr>
-          </a:lnRef>
-          <a:fillRef idx="1">
-            <a:schemeClr val="accent1"/>
-          </a:fillRef>
-          <a:effectRef idx="0">
-            <a:schemeClr val="accent1"/>
-          </a:effectRef>
-          <a:fontRef idx="minor">
-            <a:schemeClr val="lt1"/>
-          </a:fontRef>
-        </p:style>
-        <p:txBody>
-          <a:bodyPr rtlCol="0" anchor="ctr"/>
-          <a:lstStyle/>
-          <a:p>
-            <a:pPr algn="ctr"/>
-            <a:endParaRPr lang="nl-NL"/>
-          </a:p>
-        </p:txBody>
-      </p:sp>
-      <p:sp>
-        <p:nvSpPr>
-          <p:cNvPr id="14" name="Ovaal 146">
-            <a:extLst>
-              <a:ext uri="{FF2B5EF4-FFF2-40B4-BE49-F238E27FC236}">
-                <a16:creationId xmlns:a16="http://schemas.microsoft.com/office/drawing/2014/main" id="{0829C144-C180-7E14-2DC0-7C1910DC498A}"/>
-              </a:ext>
-            </a:extLst>
-          </p:cNvPr>
-          <p:cNvSpPr/>
-          <p:nvPr/>
-        </p:nvSpPr>
-        <p:spPr>
-          <a:xfrm flipH="1">
-            <a:off x="2056986" y="2130660"/>
-            <a:ext cx="93694" cy="742345"/>
-          </a:xfrm>
-          <a:prstGeom prst="ellipse">
-            <a:avLst/>
-          </a:prstGeom>
-          <a:gradFill>
-            <a:gsLst>
-              <a:gs pos="0">
-                <a:schemeClr val="accent1">
-                  <a:lumMod val="5000"/>
-                  <a:lumOff val="95000"/>
-                </a:schemeClr>
-              </a:gs>
-              <a:gs pos="74000">
-                <a:schemeClr val="bg2">
-                  <a:lumMod val="75000"/>
-                </a:schemeClr>
-              </a:gs>
-              <a:gs pos="83000">
-                <a:schemeClr val="bg2">
-                  <a:lumMod val="50000"/>
-                </a:schemeClr>
-              </a:gs>
-              <a:gs pos="100000">
-                <a:schemeClr val="bg2">
-                  <a:lumMod val="75000"/>
-                </a:schemeClr>
-              </a:gs>
-            </a:gsLst>
-            <a:lin ang="5400000" scaled="1"/>
-          </a:gradFill>
-          <a:ln w="0">
-            <a:solidFill>
-              <a:schemeClr val="tx1"/>
-            </a:solidFill>
-          </a:ln>
-        </p:spPr>
-        <p:style>
-          <a:lnRef idx="2">
-            <a:schemeClr val="accent1">
-              <a:shade val="50000"/>
-            </a:schemeClr>
-          </a:lnRef>
-          <a:fillRef idx="1">
-            <a:schemeClr val="accent1"/>
-          </a:fillRef>
-          <a:effectRef idx="0">
-            <a:schemeClr val="accent1"/>
-          </a:effectRef>
-          <a:fontRef idx="minor">
-            <a:schemeClr val="lt1"/>
-          </a:fontRef>
-        </p:style>
-        <p:txBody>
-          <a:bodyPr rtlCol="0" anchor="ctr"/>
-          <a:lstStyle/>
-          <a:p>
-            <a:pPr algn="ctr"/>
-            <a:endParaRPr lang="nl-NL"/>
-          </a:p>
-        </p:txBody>
-      </p:sp>
-      <p:sp>
-        <p:nvSpPr>
-          <p:cNvPr id="29" name="TextBox 28">
-            <a:extLst>
-              <a:ext uri="{FF2B5EF4-FFF2-40B4-BE49-F238E27FC236}">
-                <a16:creationId xmlns:a16="http://schemas.microsoft.com/office/drawing/2014/main" id="{0F41DBBF-0F0E-778F-01A0-A6E63E3F40A9}"/>
-              </a:ext>
-            </a:extLst>
-          </p:cNvPr>
-          <p:cNvSpPr txBox="1"/>
-          <p:nvPr/>
-        </p:nvSpPr>
-        <p:spPr>
-          <a:xfrm>
-            <a:off x="9150897" y="3441496"/>
-            <a:ext cx="2020949" cy="307777"/>
-          </a:xfrm>
-          <a:prstGeom prst="rect">
-            <a:avLst/>
-          </a:prstGeom>
-          <a:noFill/>
-        </p:spPr>
-        <p:txBody>
-          <a:bodyPr wrap="square" rtlCol="0">
-            <a:spAutoFit/>
-          </a:bodyPr>
-          <a:lstStyle/>
-          <a:p>
-            <a:r>
-              <a:rPr lang="en-US" sz="1400" dirty="0"/>
-              <a:t>Delay Stage</a:t>
-            </a:r>
-            <a:endParaRPr lang="en-NL" sz="1400" dirty="0"/>
-          </a:p>
-        </p:txBody>
-      </p:sp>
-      <p:sp>
-        <p:nvSpPr>
-          <p:cNvPr id="30" name="TextBox 29">
-            <a:extLst>
-              <a:ext uri="{FF2B5EF4-FFF2-40B4-BE49-F238E27FC236}">
-                <a16:creationId xmlns:a16="http://schemas.microsoft.com/office/drawing/2014/main" id="{354B5C0B-582C-5B17-CEFE-106D8A1D4D20}"/>
-              </a:ext>
-            </a:extLst>
-          </p:cNvPr>
-          <p:cNvSpPr txBox="1"/>
-          <p:nvPr/>
-        </p:nvSpPr>
-        <p:spPr>
-          <a:xfrm>
-            <a:off x="6957762" y="2520351"/>
-            <a:ext cx="2020949" cy="307777"/>
-          </a:xfrm>
-          <a:prstGeom prst="rect">
-            <a:avLst/>
-          </a:prstGeom>
-          <a:noFill/>
-        </p:spPr>
-        <p:txBody>
-          <a:bodyPr wrap="square" rtlCol="0">
-            <a:spAutoFit/>
-          </a:bodyPr>
-          <a:lstStyle/>
-          <a:p>
-            <a:r>
-              <a:rPr lang="en-US" sz="1400" dirty="0"/>
-              <a:t>640 nm diode laser</a:t>
-            </a:r>
-            <a:endParaRPr lang="en-NL" sz="1400" dirty="0"/>
-          </a:p>
-        </p:txBody>
-      </p:sp>
-      <p:sp>
-        <p:nvSpPr>
-          <p:cNvPr id="31" name="TextBox 30">
-            <a:extLst>
-              <a:ext uri="{FF2B5EF4-FFF2-40B4-BE49-F238E27FC236}">
-                <a16:creationId xmlns:a16="http://schemas.microsoft.com/office/drawing/2014/main" id="{D1C02433-2587-07E3-05BF-FF15F8AAC8EF}"/>
-              </a:ext>
-            </a:extLst>
-          </p:cNvPr>
-          <p:cNvSpPr txBox="1"/>
-          <p:nvPr/>
-        </p:nvSpPr>
-        <p:spPr>
-          <a:xfrm>
-            <a:off x="4990815" y="3866994"/>
-            <a:ext cx="2020949" cy="307777"/>
-          </a:xfrm>
-          <a:prstGeom prst="rect">
-            <a:avLst/>
-          </a:prstGeom>
-          <a:noFill/>
-        </p:spPr>
-        <p:txBody>
-          <a:bodyPr wrap="square" rtlCol="0">
-            <a:spAutoFit/>
-          </a:bodyPr>
-          <a:lstStyle/>
-          <a:p>
-            <a:r>
-              <a:rPr lang="en-US" sz="1400" dirty="0"/>
-              <a:t>520 nm diode laser</a:t>
-            </a:r>
-            <a:endParaRPr lang="en-NL" sz="1400" dirty="0"/>
-          </a:p>
-        </p:txBody>
-      </p:sp>
-      <p:sp>
-        <p:nvSpPr>
-          <p:cNvPr id="32" name="TextBox 31">
-            <a:extLst>
-              <a:ext uri="{FF2B5EF4-FFF2-40B4-BE49-F238E27FC236}">
-                <a16:creationId xmlns:a16="http://schemas.microsoft.com/office/drawing/2014/main" id="{FFC4816C-A09E-55A1-02C8-CFC33B317FB2}"/>
-              </a:ext>
-            </a:extLst>
-          </p:cNvPr>
-          <p:cNvSpPr txBox="1"/>
-          <p:nvPr/>
-        </p:nvSpPr>
-        <p:spPr>
-          <a:xfrm>
-            <a:off x="1275153" y="2248068"/>
-            <a:ext cx="2020949" cy="307777"/>
-          </a:xfrm>
-          <a:prstGeom prst="rect">
-            <a:avLst/>
-          </a:prstGeom>
-          <a:noFill/>
-        </p:spPr>
-        <p:txBody>
-          <a:bodyPr wrap="square" rtlCol="0">
-            <a:spAutoFit/>
-          </a:bodyPr>
-          <a:lstStyle/>
-          <a:p>
-            <a:r>
-              <a:rPr lang="en-US" sz="1400" dirty="0"/>
-              <a:t>Camera</a:t>
-            </a:r>
-            <a:endParaRPr lang="en-NL" sz="1400" dirty="0"/>
-          </a:p>
-        </p:txBody>
-      </p:sp>
-      <p:sp>
-        <p:nvSpPr>
-          <p:cNvPr id="33" name="TextBox 32">
-            <a:extLst>
-              <a:ext uri="{FF2B5EF4-FFF2-40B4-BE49-F238E27FC236}">
-                <a16:creationId xmlns:a16="http://schemas.microsoft.com/office/drawing/2014/main" id="{3A03175D-260E-6E24-0F67-63C307956326}"/>
-              </a:ext>
-            </a:extLst>
-          </p:cNvPr>
-          <p:cNvSpPr txBox="1"/>
-          <p:nvPr/>
-        </p:nvSpPr>
-        <p:spPr>
-          <a:xfrm>
-            <a:off x="1795682" y="1891893"/>
-            <a:ext cx="2020949" cy="307777"/>
-          </a:xfrm>
-          <a:prstGeom prst="rect">
-            <a:avLst/>
-          </a:prstGeom>
-          <a:noFill/>
-        </p:spPr>
-        <p:txBody>
-          <a:bodyPr wrap="square" rtlCol="0">
-            <a:spAutoFit/>
-          </a:bodyPr>
-          <a:lstStyle/>
-          <a:p>
-            <a:r>
-              <a:rPr lang="en-US" sz="1400" dirty="0"/>
-              <a:t>Neutral Density Filter</a:t>
-            </a:r>
-            <a:endParaRPr lang="en-NL" sz="1400" dirty="0"/>
-          </a:p>
-        </p:txBody>
-      </p:sp>
-      <p:sp>
-        <p:nvSpPr>
-          <p:cNvPr id="25" name="Rechthoek 6">
-            <a:extLst>
-              <a:ext uri="{FF2B5EF4-FFF2-40B4-BE49-F238E27FC236}">
-                <a16:creationId xmlns:a16="http://schemas.microsoft.com/office/drawing/2014/main" id="{4F8F3C2F-1B55-E7C5-61A4-66070DCAEAD3}"/>
-              </a:ext>
-            </a:extLst>
-          </p:cNvPr>
-          <p:cNvSpPr/>
-          <p:nvPr/>
-        </p:nvSpPr>
-        <p:spPr>
-          <a:xfrm rot="5400000">
-            <a:off x="5790703" y="1957920"/>
-            <a:ext cx="36000" cy="4339789"/>
-          </a:xfrm>
-          <a:prstGeom prst="rect">
-            <a:avLst/>
-          </a:prstGeom>
-          <a:gradFill flip="none" rotWithShape="1">
-            <a:gsLst>
-              <a:gs pos="0">
-                <a:schemeClr val="accent6">
-                  <a:lumMod val="60000"/>
-                  <a:lumOff val="40000"/>
-                </a:schemeClr>
-              </a:gs>
-              <a:gs pos="50000">
-                <a:schemeClr val="accent6">
-                  <a:lumMod val="75000"/>
-                </a:schemeClr>
-              </a:gs>
-              <a:gs pos="100000">
-                <a:schemeClr val="accent6">
-                  <a:lumMod val="60000"/>
-                  <a:lumOff val="40000"/>
-                </a:schemeClr>
-              </a:gs>
-            </a:gsLst>
-            <a:lin ang="0" scaled="1"/>
-            <a:tileRect/>
-          </a:gradFill>
-          <a:ln w="0">
-            <a:noFill/>
-          </a:ln>
-        </p:spPr>
-        <p:style>
-          <a:lnRef idx="2">
-            <a:schemeClr val="accent1">
-              <a:shade val="50000"/>
-            </a:schemeClr>
-          </a:lnRef>
-          <a:fillRef idx="1">
-            <a:schemeClr val="accent1"/>
-          </a:fillRef>
-          <a:effectRef idx="0">
-            <a:schemeClr val="accent1"/>
-          </a:effectRef>
-          <a:fontRef idx="minor">
-            <a:schemeClr val="lt1"/>
-          </a:fontRef>
-        </p:style>
-        <p:txBody>
-          <a:bodyPr rtlCol="0" anchor="ctr"/>
-          <a:lstStyle/>
-          <a:p>
-            <a:pPr algn="ctr"/>
-            <a:endParaRPr lang="nl-NL"/>
-          </a:p>
-        </p:txBody>
-      </p:sp>
-      <p:sp>
-        <p:nvSpPr>
-          <p:cNvPr id="8" name="Rechthoek 16">
-            <a:extLst>
-              <a:ext uri="{FF2B5EF4-FFF2-40B4-BE49-F238E27FC236}">
-                <a16:creationId xmlns:a16="http://schemas.microsoft.com/office/drawing/2014/main" id="{07D08577-4DED-4B58-1C2D-B540CCA9FD4B}"/>
-              </a:ext>
-            </a:extLst>
-          </p:cNvPr>
-          <p:cNvSpPr/>
-          <p:nvPr/>
-        </p:nvSpPr>
-        <p:spPr>
-          <a:xfrm rot="7843172" flipH="1">
-            <a:off x="3593476" y="3925518"/>
-            <a:ext cx="67945" cy="440736"/>
-          </a:xfrm>
-          <a:prstGeom prst="rect">
-            <a:avLst/>
-          </a:prstGeom>
-          <a:gradFill>
-            <a:gsLst>
-              <a:gs pos="51000">
-                <a:schemeClr val="accent1">
-                  <a:lumMod val="20000"/>
-                  <a:lumOff val="80000"/>
-                </a:schemeClr>
-              </a:gs>
-              <a:gs pos="100000">
-                <a:schemeClr val="accent1">
-                  <a:lumMod val="60000"/>
-                  <a:lumOff val="40000"/>
-                </a:schemeClr>
-              </a:gs>
-              <a:gs pos="0">
-                <a:schemeClr val="accent1">
-                  <a:lumMod val="60000"/>
-                  <a:lumOff val="40000"/>
-                </a:schemeClr>
-              </a:gs>
-            </a:gsLst>
-            <a:lin ang="5400000" scaled="0"/>
-          </a:gradFill>
-          <a:ln w="3175">
-            <a:solidFill>
-              <a:schemeClr val="tx1"/>
-            </a:solidFill>
-          </a:ln>
-          <a:effectLst>
-            <a:softEdge rad="0"/>
-          </a:effectLst>
-          <a:scene3d>
-            <a:camera prst="orthographicFront"/>
-            <a:lightRig rig="balanced" dir="t">
-              <a:rot lat="0" lon="0" rev="21594000"/>
-            </a:lightRig>
-          </a:scene3d>
-        </p:spPr>
-        <p:style>
-          <a:lnRef idx="2">
-            <a:schemeClr val="accent1">
-              <a:shade val="50000"/>
-            </a:schemeClr>
-          </a:lnRef>
-          <a:fillRef idx="1">
-            <a:schemeClr val="accent1"/>
-          </a:fillRef>
-          <a:effectRef idx="0">
-            <a:schemeClr val="accent1"/>
-          </a:effectRef>
-          <a:fontRef idx="minor">
-            <a:schemeClr val="lt1"/>
-          </a:fontRef>
-        </p:style>
-        <p:txBody>
-          <a:bodyPr rtlCol="0" anchor="ctr"/>
-          <a:lstStyle/>
-          <a:p>
-            <a:pPr algn="ctr"/>
-            <a:endParaRPr lang="nl-NL" b="0" dirty="0"/>
-          </a:p>
-          <a:p>
-            <a:pPr algn="ctr"/>
-            <a:endParaRPr lang="nl-NL" dirty="0"/>
-          </a:p>
-        </p:txBody>
-      </p:sp>
     </p:spTree>
     <p:extLst>
       <p:ext uri="{BB962C8B-B14F-4D97-AF65-F5344CB8AC3E}">
@@ -14110,6 +14325,11 @@
           <a:prstGeom prst="rect">
             <a:avLst/>
           </a:prstGeom>
+          <a:solidFill>
+            <a:schemeClr val="bg2">
+              <a:lumMod val="75000"/>
+            </a:schemeClr>
+          </a:solidFill>
         </p:spPr>
         <p:style>
           <a:lnRef idx="2">
@@ -14794,7 +15014,7 @@
         </p:nvSpPr>
         <p:spPr>
           <a:xfrm flipH="1">
-            <a:off x="2016748" y="1266379"/>
+            <a:off x="3239775" y="1262199"/>
             <a:ext cx="641254" cy="432439"/>
           </a:xfrm>
           <a:prstGeom prst="rect">
@@ -15385,10 +15605,10 @@
       </p:grpSp>
       <p:sp>
         <p:nvSpPr>
-          <p:cNvPr id="38" name="Rechthoek 16">
-            <a:extLst>
-              <a:ext uri="{FF2B5EF4-FFF2-40B4-BE49-F238E27FC236}">
-                <a16:creationId xmlns:a16="http://schemas.microsoft.com/office/drawing/2014/main" id="{C9D964D8-D4DE-0430-7575-369D54204518}"/>
+          <p:cNvPr id="37" name="Rectangle 36">
+            <a:extLst>
+              <a:ext uri="{FF2B5EF4-FFF2-40B4-BE49-F238E27FC236}">
+                <a16:creationId xmlns:a16="http://schemas.microsoft.com/office/drawing/2014/main" id="{B42BB146-9119-5DCD-4EA2-D6FF94C4FE81}"/>
               </a:ext>
             </a:extLst>
           </p:cNvPr>
@@ -15396,8 +15616,58 @@
           <p:nvPr/>
         </p:nvSpPr>
         <p:spPr>
-          <a:xfrm rot="2700000" flipH="1">
-            <a:off x="4932239" y="3910453"/>
+          <a:xfrm>
+            <a:off x="4719513" y="3470693"/>
+            <a:ext cx="2108249" cy="395908"/>
+          </a:xfrm>
+          <a:prstGeom prst="rect">
+            <a:avLst/>
+          </a:prstGeom>
+        </p:spPr>
+        <p:style>
+          <a:lnRef idx="2">
+            <a:schemeClr val="accent1">
+              <a:shade val="15000"/>
+            </a:schemeClr>
+          </a:lnRef>
+          <a:fillRef idx="1">
+            <a:schemeClr val="accent1"/>
+          </a:fillRef>
+          <a:effectRef idx="0">
+            <a:schemeClr val="accent1"/>
+          </a:effectRef>
+          <a:fontRef idx="minor">
+            <a:schemeClr val="lt1"/>
+          </a:fontRef>
+        </p:style>
+        <p:txBody>
+          <a:bodyPr rtlCol="0" anchor="ctr"/>
+          <a:lstStyle/>
+          <a:p>
+            <a:pPr algn="ctr"/>
+            <a:r>
+              <a:rPr lang="en-US" sz="1600" dirty="0"/>
+              <a:t>White light generation</a:t>
+            </a:r>
+            <a:endParaRPr lang="en-NL" sz="1600" dirty="0"/>
+          </a:p>
+        </p:txBody>
+      </p:sp>
+      <p:sp>
+        <p:nvSpPr>
+          <p:cNvPr id="23" name="Rechthoek 16">
+            <a:extLst>
+              <a:ext uri="{FF2B5EF4-FFF2-40B4-BE49-F238E27FC236}">
+                <a16:creationId xmlns:a16="http://schemas.microsoft.com/office/drawing/2014/main" id="{C032D11E-C312-E3BE-387B-F5003B072EBC}"/>
+              </a:ext>
+            </a:extLst>
+          </p:cNvPr>
+          <p:cNvSpPr/>
+          <p:nvPr/>
+        </p:nvSpPr>
+        <p:spPr>
+          <a:xfrm rot="-2700000" flipH="1">
+            <a:off x="4912580" y="3005133"/>
             <a:ext cx="36000" cy="252000"/>
           </a:xfrm>
           <a:prstGeom prst="rect">
@@ -15472,10 +15742,10 @@
       </p:sp>
       <p:sp>
         <p:nvSpPr>
-          <p:cNvPr id="37" name="Rectangle 36">
-            <a:extLst>
-              <a:ext uri="{FF2B5EF4-FFF2-40B4-BE49-F238E27FC236}">
-                <a16:creationId xmlns:a16="http://schemas.microsoft.com/office/drawing/2014/main" id="{B42BB146-9119-5DCD-4EA2-D6FF94C4FE81}"/>
+          <p:cNvPr id="21" name="Rechthoek 16">
+            <a:extLst>
+              <a:ext uri="{FF2B5EF4-FFF2-40B4-BE49-F238E27FC236}">
+                <a16:creationId xmlns:a16="http://schemas.microsoft.com/office/drawing/2014/main" id="{5CA4AFDF-AD2D-64D5-5EAE-6FBFE392B82B}"/>
               </a:ext>
             </a:extLst>
           </p:cNvPr>
@@ -15483,58 +15753,8 @@
           <p:nvPr/>
         </p:nvSpPr>
         <p:spPr>
-          <a:xfrm>
-            <a:off x="3757107" y="3477290"/>
-            <a:ext cx="1226984" cy="395908"/>
-          </a:xfrm>
-          <a:prstGeom prst="rect">
-            <a:avLst/>
-          </a:prstGeom>
-        </p:spPr>
-        <p:style>
-          <a:lnRef idx="2">
-            <a:schemeClr val="accent1">
-              <a:shade val="15000"/>
-            </a:schemeClr>
-          </a:lnRef>
-          <a:fillRef idx="1">
-            <a:schemeClr val="accent1"/>
-          </a:fillRef>
-          <a:effectRef idx="0">
-            <a:schemeClr val="accent1"/>
-          </a:effectRef>
-          <a:fontRef idx="minor">
-            <a:schemeClr val="lt1"/>
-          </a:fontRef>
-        </p:style>
-        <p:txBody>
-          <a:bodyPr rtlCol="0" anchor="ctr"/>
-          <a:lstStyle/>
-          <a:p>
-            <a:pPr algn="ctr"/>
-            <a:r>
-              <a:rPr lang="en-US" sz="1200" dirty="0"/>
-              <a:t>White light generation</a:t>
-            </a:r>
-            <a:endParaRPr lang="en-NL" sz="1200" dirty="0"/>
-          </a:p>
-        </p:txBody>
-      </p:sp>
-      <p:sp>
-        <p:nvSpPr>
-          <p:cNvPr id="23" name="Rechthoek 16">
-            <a:extLst>
-              <a:ext uri="{FF2B5EF4-FFF2-40B4-BE49-F238E27FC236}">
-                <a16:creationId xmlns:a16="http://schemas.microsoft.com/office/drawing/2014/main" id="{C032D11E-C312-E3BE-387B-F5003B072EBC}"/>
-              </a:ext>
-            </a:extLst>
-          </p:cNvPr>
-          <p:cNvSpPr/>
-          <p:nvPr/>
-        </p:nvSpPr>
-        <p:spPr>
           <a:xfrm rot="-2700000" flipH="1">
-            <a:off x="4912580" y="3005133"/>
+            <a:off x="2383128" y="3002046"/>
             <a:ext cx="36000" cy="252000"/>
           </a:xfrm>
           <a:prstGeom prst="rect">
@@ -15609,10 +15829,10 @@
       </p:sp>
       <p:sp>
         <p:nvSpPr>
-          <p:cNvPr id="21" name="Rechthoek 16">
-            <a:extLst>
-              <a:ext uri="{FF2B5EF4-FFF2-40B4-BE49-F238E27FC236}">
-                <a16:creationId xmlns:a16="http://schemas.microsoft.com/office/drawing/2014/main" id="{5CA4AFDF-AD2D-64D5-5EAE-6FBFE392B82B}"/>
+          <p:cNvPr id="19" name="Rechthoek 16">
+            <a:extLst>
+              <a:ext uri="{FF2B5EF4-FFF2-40B4-BE49-F238E27FC236}">
+                <a16:creationId xmlns:a16="http://schemas.microsoft.com/office/drawing/2014/main" id="{7F776B8F-8B87-91A1-87A7-CFA2B01BDEE2}"/>
               </a:ext>
             </a:extLst>
           </p:cNvPr>
@@ -15620,8 +15840,8 @@
           <p:nvPr/>
         </p:nvSpPr>
         <p:spPr>
-          <a:xfrm rot="-2700000" flipH="1">
-            <a:off x="2383128" y="3002046"/>
+          <a:xfrm rot="2700000" flipH="1">
+            <a:off x="2383127" y="2676829"/>
             <a:ext cx="36000" cy="252000"/>
           </a:xfrm>
           <a:prstGeom prst="rect">
@@ -15696,10 +15916,10 @@
       </p:sp>
       <p:sp>
         <p:nvSpPr>
-          <p:cNvPr id="19" name="Rechthoek 16">
-            <a:extLst>
-              <a:ext uri="{FF2B5EF4-FFF2-40B4-BE49-F238E27FC236}">
-                <a16:creationId xmlns:a16="http://schemas.microsoft.com/office/drawing/2014/main" id="{7F776B8F-8B87-91A1-87A7-CFA2B01BDEE2}"/>
+          <p:cNvPr id="46" name="Rechthoek 5">
+            <a:extLst>
+              <a:ext uri="{FF2B5EF4-FFF2-40B4-BE49-F238E27FC236}">
+                <a16:creationId xmlns:a16="http://schemas.microsoft.com/office/drawing/2014/main" id="{175FF2E6-B897-4A46-7B57-67B2B39B485B}"/>
               </a:ext>
             </a:extLst>
           </p:cNvPr>
@@ -15707,9 +15927,705 @@
           <p:nvPr/>
         </p:nvSpPr>
         <p:spPr>
+          <a:xfrm rot="5400000">
+            <a:off x="7105562" y="2037151"/>
+            <a:ext cx="45719" cy="1582310"/>
+          </a:xfrm>
+          <a:prstGeom prst="rect">
+            <a:avLst/>
+          </a:prstGeom>
+          <a:gradFill flip="none" rotWithShape="1">
+            <a:gsLst>
+              <a:gs pos="0">
+                <a:schemeClr val="bg1">
+                  <a:lumMod val="85000"/>
+                </a:schemeClr>
+              </a:gs>
+              <a:gs pos="75000">
+                <a:srgbClr val="E06D6D"/>
+              </a:gs>
+              <a:gs pos="25000">
+                <a:srgbClr val="E60000"/>
+              </a:gs>
+              <a:gs pos="100000">
+                <a:schemeClr val="bg1">
+                  <a:lumMod val="85000"/>
+                </a:schemeClr>
+              </a:gs>
+            </a:gsLst>
+            <a:lin ang="0" scaled="1"/>
+            <a:tileRect/>
+          </a:gradFill>
+          <a:ln w="0">
+            <a:noFill/>
+          </a:ln>
+        </p:spPr>
+        <p:style>
+          <a:lnRef idx="2">
+            <a:schemeClr val="accent1">
+              <a:shade val="50000"/>
+            </a:schemeClr>
+          </a:lnRef>
+          <a:fillRef idx="1">
+            <a:schemeClr val="accent1"/>
+          </a:fillRef>
+          <a:effectRef idx="0">
+            <a:schemeClr val="accent1"/>
+          </a:effectRef>
+          <a:fontRef idx="minor">
+            <a:schemeClr val="lt1"/>
+          </a:fontRef>
+        </p:style>
+        <p:txBody>
+          <a:bodyPr rtlCol="0" anchor="ctr"/>
+          <a:lstStyle/>
+          <a:p>
+            <a:pPr algn="ctr"/>
+            <a:endParaRPr lang="nl-NL"/>
+          </a:p>
+        </p:txBody>
+      </p:sp>
+      <p:sp>
+        <p:nvSpPr>
+          <p:cNvPr id="47" name="Rechthoek 108">
+            <a:extLst>
+              <a:ext uri="{FF2B5EF4-FFF2-40B4-BE49-F238E27FC236}">
+                <a16:creationId xmlns:a16="http://schemas.microsoft.com/office/drawing/2014/main" id="{6D0DB3CB-A45C-65D2-5DED-C322232F254F}"/>
+              </a:ext>
+            </a:extLst>
+          </p:cNvPr>
+          <p:cNvSpPr/>
+          <p:nvPr/>
+        </p:nvSpPr>
+        <p:spPr>
+          <a:xfrm rot="5400000" flipH="1">
+            <a:off x="2296848" y="4552714"/>
+            <a:ext cx="45719" cy="316418"/>
+          </a:xfrm>
+          <a:prstGeom prst="rect">
+            <a:avLst/>
+          </a:prstGeom>
+          <a:gradFill>
+            <a:gsLst>
+              <a:gs pos="51000">
+                <a:schemeClr val="tx1"/>
+              </a:gs>
+              <a:gs pos="100000">
+                <a:schemeClr val="bg2">
+                  <a:lumMod val="25000"/>
+                </a:schemeClr>
+              </a:gs>
+              <a:gs pos="0">
+                <a:schemeClr val="bg2">
+                  <a:lumMod val="25000"/>
+                </a:schemeClr>
+              </a:gs>
+            </a:gsLst>
+            <a:lin ang="5400000" scaled="0"/>
+          </a:gradFill>
+          <a:ln w="3175">
+            <a:solidFill>
+              <a:schemeClr val="tx1"/>
+            </a:solidFill>
+          </a:ln>
+          <a:effectLst>
+            <a:softEdge rad="0"/>
+          </a:effectLst>
+          <a:scene3d>
+            <a:camera prst="orthographicFront"/>
+            <a:lightRig rig="balanced" dir="t">
+              <a:rot lat="0" lon="0" rev="21594000"/>
+            </a:lightRig>
+          </a:scene3d>
+        </p:spPr>
+        <p:style>
+          <a:lnRef idx="2">
+            <a:schemeClr val="accent1">
+              <a:shade val="50000"/>
+            </a:schemeClr>
+          </a:lnRef>
+          <a:fillRef idx="1">
+            <a:schemeClr val="accent1"/>
+          </a:fillRef>
+          <a:effectRef idx="0">
+            <a:schemeClr val="accent1"/>
+          </a:effectRef>
+          <a:fontRef idx="minor">
+            <a:schemeClr val="lt1"/>
+          </a:fontRef>
+        </p:style>
+        <p:txBody>
+          <a:bodyPr rtlCol="0" anchor="ctr"/>
+          <a:lstStyle/>
+          <a:p>
+            <a:pPr algn="ctr"/>
+            <a:endParaRPr lang="nl-NL" b="0" dirty="0"/>
+          </a:p>
+          <a:p>
+            <a:pPr algn="ctr"/>
+            <a:endParaRPr lang="nl-NL" dirty="0"/>
+          </a:p>
+        </p:txBody>
+      </p:sp>
+      <p:sp>
+        <p:nvSpPr>
+          <p:cNvPr id="48" name="TextBox 47">
+            <a:extLst>
+              <a:ext uri="{FF2B5EF4-FFF2-40B4-BE49-F238E27FC236}">
+                <a16:creationId xmlns:a16="http://schemas.microsoft.com/office/drawing/2014/main" id="{788D3208-D71B-6F4C-34D3-74463D5EBA5C}"/>
+              </a:ext>
+            </a:extLst>
+          </p:cNvPr>
+          <p:cNvSpPr txBox="1"/>
+          <p:nvPr/>
+        </p:nvSpPr>
+        <p:spPr>
+          <a:xfrm>
+            <a:off x="3326472" y="4013918"/>
+            <a:ext cx="1537778" cy="338554"/>
+          </a:xfrm>
+          <a:prstGeom prst="rect">
+            <a:avLst/>
+          </a:prstGeom>
+          <a:noFill/>
+        </p:spPr>
+        <p:txBody>
+          <a:bodyPr wrap="square" rtlCol="0">
+            <a:spAutoFit/>
+          </a:bodyPr>
+          <a:lstStyle/>
+          <a:p>
+            <a:r>
+              <a:rPr lang="en-US" sz="1600" dirty="0"/>
+              <a:t>Probe 50 </a:t>
+            </a:r>
+            <a:r>
+              <a:rPr lang="en-US" sz="1600" dirty="0" err="1"/>
+              <a:t>KHz</a:t>
+            </a:r>
+            <a:endParaRPr lang="en-NL" sz="1600" dirty="0"/>
+          </a:p>
+        </p:txBody>
+      </p:sp>
+      <p:sp>
+        <p:nvSpPr>
+          <p:cNvPr id="49" name="TextBox 48">
+            <a:extLst>
+              <a:ext uri="{FF2B5EF4-FFF2-40B4-BE49-F238E27FC236}">
+                <a16:creationId xmlns:a16="http://schemas.microsoft.com/office/drawing/2014/main" id="{599B3940-AC9B-8ADD-1C4A-FA8C57481377}"/>
+              </a:ext>
+            </a:extLst>
+          </p:cNvPr>
+          <p:cNvSpPr txBox="1"/>
+          <p:nvPr/>
+        </p:nvSpPr>
+        <p:spPr>
+          <a:xfrm>
+            <a:off x="4644990" y="2502397"/>
+            <a:ext cx="1423661" cy="338554"/>
+          </a:xfrm>
+          <a:prstGeom prst="rect">
+            <a:avLst/>
+          </a:prstGeom>
+          <a:noFill/>
+        </p:spPr>
+        <p:txBody>
+          <a:bodyPr wrap="square" rtlCol="0">
+            <a:spAutoFit/>
+          </a:bodyPr>
+          <a:lstStyle/>
+          <a:p>
+            <a:r>
+              <a:rPr lang="en-US" sz="1600" dirty="0"/>
+              <a:t>Fundamental</a:t>
+            </a:r>
+            <a:endParaRPr lang="en-NL" sz="1600" dirty="0"/>
+          </a:p>
+        </p:txBody>
+      </p:sp>
+      <p:sp>
+        <p:nvSpPr>
+          <p:cNvPr id="53" name="Rectangle 52">
+            <a:extLst>
+              <a:ext uri="{FF2B5EF4-FFF2-40B4-BE49-F238E27FC236}">
+                <a16:creationId xmlns:a16="http://schemas.microsoft.com/office/drawing/2014/main" id="{0FA4BDAA-6041-70E1-9999-A98CC71D4BA3}"/>
+              </a:ext>
+            </a:extLst>
+          </p:cNvPr>
+          <p:cNvSpPr/>
+          <p:nvPr/>
+        </p:nvSpPr>
+        <p:spPr>
+          <a:xfrm>
+            <a:off x="5932841" y="1073981"/>
+            <a:ext cx="2836585" cy="1090785"/>
+          </a:xfrm>
+          <a:prstGeom prst="rect">
+            <a:avLst/>
+          </a:prstGeom>
+          <a:solidFill>
+            <a:schemeClr val="bg2">
+              <a:lumMod val="75000"/>
+            </a:schemeClr>
+          </a:solidFill>
+        </p:spPr>
+        <p:style>
+          <a:lnRef idx="2">
+            <a:schemeClr val="dk1"/>
+          </a:lnRef>
+          <a:fillRef idx="1">
+            <a:schemeClr val="lt1"/>
+          </a:fillRef>
+          <a:effectRef idx="0">
+            <a:schemeClr val="dk1"/>
+          </a:effectRef>
+          <a:fontRef idx="minor">
+            <a:schemeClr val="dk1"/>
+          </a:fontRef>
+        </p:style>
+        <p:txBody>
+          <a:bodyPr rtlCol="0" anchor="ctr"/>
+          <a:lstStyle/>
+          <a:p>
+            <a:pPr algn="ctr"/>
+            <a:r>
+              <a:rPr lang="en-US" dirty="0"/>
+              <a:t>ORPHEUS</a:t>
+            </a:r>
+            <a:endParaRPr lang="en-NL" dirty="0"/>
+          </a:p>
+        </p:txBody>
+      </p:sp>
+      <p:sp>
+        <p:nvSpPr>
+          <p:cNvPr id="54" name="Rectangle 53">
+            <a:extLst>
+              <a:ext uri="{FF2B5EF4-FFF2-40B4-BE49-F238E27FC236}">
+                <a16:creationId xmlns:a16="http://schemas.microsoft.com/office/drawing/2014/main" id="{0F791E1B-2BA6-A93D-5B1A-5C52649C1ADB}"/>
+              </a:ext>
+            </a:extLst>
+          </p:cNvPr>
+          <p:cNvSpPr/>
+          <p:nvPr/>
+        </p:nvSpPr>
+        <p:spPr>
+          <a:xfrm>
+            <a:off x="4788551" y="1309832"/>
+            <a:ext cx="1144290" cy="343635"/>
+          </a:xfrm>
+          <a:prstGeom prst="rect">
+            <a:avLst/>
+          </a:prstGeom>
+          <a:solidFill>
+            <a:schemeClr val="bg2">
+              <a:lumMod val="75000"/>
+            </a:schemeClr>
+          </a:solidFill>
+        </p:spPr>
+        <p:style>
+          <a:lnRef idx="2">
+            <a:schemeClr val="dk1"/>
+          </a:lnRef>
+          <a:fillRef idx="1">
+            <a:schemeClr val="lt1"/>
+          </a:fillRef>
+          <a:effectRef idx="0">
+            <a:schemeClr val="dk1"/>
+          </a:effectRef>
+          <a:fontRef idx="minor">
+            <a:schemeClr val="dk1"/>
+          </a:fontRef>
+        </p:style>
+        <p:txBody>
+          <a:bodyPr rtlCol="0" anchor="ctr"/>
+          <a:lstStyle/>
+          <a:p>
+            <a:pPr algn="ctr"/>
+            <a:r>
+              <a:rPr lang="en-US" dirty="0"/>
+              <a:t>LYRA</a:t>
+            </a:r>
+            <a:endParaRPr lang="en-NL" dirty="0"/>
+          </a:p>
+        </p:txBody>
+      </p:sp>
+      <p:sp>
+        <p:nvSpPr>
+          <p:cNvPr id="55" name="Rechthoek 5">
+            <a:extLst>
+              <a:ext uri="{FF2B5EF4-FFF2-40B4-BE49-F238E27FC236}">
+                <a16:creationId xmlns:a16="http://schemas.microsoft.com/office/drawing/2014/main" id="{BBEB9460-3726-0F92-2487-51E17C016E76}"/>
+              </a:ext>
+            </a:extLst>
+          </p:cNvPr>
+          <p:cNvSpPr/>
+          <p:nvPr/>
+        </p:nvSpPr>
+        <p:spPr>
+          <a:xfrm rot="10800000">
+            <a:off x="6177269" y="2224989"/>
+            <a:ext cx="45719" cy="451559"/>
+          </a:xfrm>
+          <a:prstGeom prst="rect">
+            <a:avLst/>
+          </a:prstGeom>
+          <a:gradFill flip="none" rotWithShape="1">
+            <a:gsLst>
+              <a:gs pos="0">
+                <a:schemeClr val="bg1">
+                  <a:lumMod val="85000"/>
+                </a:schemeClr>
+              </a:gs>
+              <a:gs pos="75000">
+                <a:srgbClr val="E06D6D"/>
+              </a:gs>
+              <a:gs pos="25000">
+                <a:srgbClr val="E60000"/>
+              </a:gs>
+              <a:gs pos="100000">
+                <a:schemeClr val="bg1">
+                  <a:lumMod val="85000"/>
+                </a:schemeClr>
+              </a:gs>
+            </a:gsLst>
+            <a:lin ang="0" scaled="1"/>
+            <a:tileRect/>
+          </a:gradFill>
+          <a:ln w="0">
+            <a:noFill/>
+          </a:ln>
+        </p:spPr>
+        <p:style>
+          <a:lnRef idx="2">
+            <a:schemeClr val="accent1">
+              <a:shade val="50000"/>
+            </a:schemeClr>
+          </a:lnRef>
+          <a:fillRef idx="1">
+            <a:schemeClr val="accent1"/>
+          </a:fillRef>
+          <a:effectRef idx="0">
+            <a:schemeClr val="accent1"/>
+          </a:effectRef>
+          <a:fontRef idx="minor">
+            <a:schemeClr val="lt1"/>
+          </a:fontRef>
+        </p:style>
+        <p:txBody>
+          <a:bodyPr rtlCol="0" anchor="ctr"/>
+          <a:lstStyle/>
+          <a:p>
+            <a:pPr algn="ctr"/>
+            <a:endParaRPr lang="nl-NL"/>
+          </a:p>
+        </p:txBody>
+      </p:sp>
+      <p:sp>
+        <p:nvSpPr>
+          <p:cNvPr id="56" name="Rechthoek 5">
+            <a:extLst>
+              <a:ext uri="{FF2B5EF4-FFF2-40B4-BE49-F238E27FC236}">
+                <a16:creationId xmlns:a16="http://schemas.microsoft.com/office/drawing/2014/main" id="{039E402D-1EC3-71CD-B521-ABA238F86483}"/>
+              </a:ext>
+            </a:extLst>
+          </p:cNvPr>
+          <p:cNvSpPr/>
+          <p:nvPr/>
+        </p:nvSpPr>
+        <p:spPr>
+          <a:xfrm rot="16200000">
+            <a:off x="4311930" y="1027886"/>
+            <a:ext cx="45719" cy="907522"/>
+          </a:xfrm>
+          <a:prstGeom prst="rect">
+            <a:avLst/>
+          </a:prstGeom>
+          <a:gradFill flip="none" rotWithShape="1">
+            <a:gsLst>
+              <a:gs pos="0">
+                <a:schemeClr val="bg1">
+                  <a:lumMod val="85000"/>
+                </a:schemeClr>
+              </a:gs>
+              <a:gs pos="75000">
+                <a:srgbClr val="E06D6D"/>
+              </a:gs>
+              <a:gs pos="25000">
+                <a:srgbClr val="E60000"/>
+              </a:gs>
+              <a:gs pos="100000">
+                <a:schemeClr val="bg1">
+                  <a:lumMod val="85000"/>
+                </a:schemeClr>
+              </a:gs>
+            </a:gsLst>
+            <a:lin ang="0" scaled="1"/>
+            <a:tileRect/>
+          </a:gradFill>
+          <a:ln w="0">
+            <a:noFill/>
+          </a:ln>
+        </p:spPr>
+        <p:style>
+          <a:lnRef idx="2">
+            <a:schemeClr val="accent1">
+              <a:shade val="50000"/>
+            </a:schemeClr>
+          </a:lnRef>
+          <a:fillRef idx="1">
+            <a:schemeClr val="accent1"/>
+          </a:fillRef>
+          <a:effectRef idx="0">
+            <a:schemeClr val="accent1"/>
+          </a:effectRef>
+          <a:fontRef idx="minor">
+            <a:schemeClr val="lt1"/>
+          </a:fontRef>
+        </p:style>
+        <p:txBody>
+          <a:bodyPr rtlCol="0" anchor="ctr"/>
+          <a:lstStyle/>
+          <a:p>
+            <a:pPr algn="ctr"/>
+            <a:endParaRPr lang="nl-NL"/>
+          </a:p>
+        </p:txBody>
+      </p:sp>
+      <p:sp>
+        <p:nvSpPr>
+          <p:cNvPr id="57" name="Rechthoek 5">
+            <a:extLst>
+              <a:ext uri="{FF2B5EF4-FFF2-40B4-BE49-F238E27FC236}">
+                <a16:creationId xmlns:a16="http://schemas.microsoft.com/office/drawing/2014/main" id="{CEF1A557-B7C8-20B2-B927-EADD348FFDED}"/>
+              </a:ext>
+            </a:extLst>
+          </p:cNvPr>
+          <p:cNvSpPr/>
+          <p:nvPr/>
+        </p:nvSpPr>
+        <p:spPr>
+          <a:xfrm rot="16200000">
+            <a:off x="1900343" y="161596"/>
+            <a:ext cx="45719" cy="2632742"/>
+          </a:xfrm>
+          <a:prstGeom prst="rect">
+            <a:avLst/>
+          </a:prstGeom>
+          <a:gradFill flip="none" rotWithShape="1">
+            <a:gsLst>
+              <a:gs pos="0">
+                <a:schemeClr val="bg1">
+                  <a:lumMod val="85000"/>
+                </a:schemeClr>
+              </a:gs>
+              <a:gs pos="75000">
+                <a:srgbClr val="E06D6D"/>
+              </a:gs>
+              <a:gs pos="25000">
+                <a:srgbClr val="E60000"/>
+              </a:gs>
+              <a:gs pos="100000">
+                <a:schemeClr val="bg1">
+                  <a:lumMod val="85000"/>
+                </a:schemeClr>
+              </a:gs>
+            </a:gsLst>
+            <a:lin ang="0" scaled="1"/>
+            <a:tileRect/>
+          </a:gradFill>
+          <a:ln w="0">
+            <a:noFill/>
+          </a:ln>
+        </p:spPr>
+        <p:style>
+          <a:lnRef idx="2">
+            <a:schemeClr val="accent1">
+              <a:shade val="50000"/>
+            </a:schemeClr>
+          </a:lnRef>
+          <a:fillRef idx="1">
+            <a:schemeClr val="accent1"/>
+          </a:fillRef>
+          <a:effectRef idx="0">
+            <a:schemeClr val="accent1"/>
+          </a:effectRef>
+          <a:fontRef idx="minor">
+            <a:schemeClr val="lt1"/>
+          </a:fontRef>
+        </p:style>
+        <p:txBody>
+          <a:bodyPr rtlCol="0" anchor="ctr"/>
+          <a:lstStyle/>
+          <a:p>
+            <a:pPr algn="ctr"/>
+            <a:endParaRPr lang="nl-NL"/>
+          </a:p>
+        </p:txBody>
+      </p:sp>
+      <p:sp>
+        <p:nvSpPr>
+          <p:cNvPr id="58" name="Rechthoek 5">
+            <a:extLst>
+              <a:ext uri="{FF2B5EF4-FFF2-40B4-BE49-F238E27FC236}">
+                <a16:creationId xmlns:a16="http://schemas.microsoft.com/office/drawing/2014/main" id="{4EF5FC9F-16B8-1150-69CE-EBB5F7530888}"/>
+              </a:ext>
+            </a:extLst>
+          </p:cNvPr>
+          <p:cNvSpPr/>
+          <p:nvPr/>
+        </p:nvSpPr>
+        <p:spPr>
+          <a:xfrm rot="16200000">
+            <a:off x="3537603" y="1160878"/>
+            <a:ext cx="46625" cy="640633"/>
+          </a:xfrm>
+          <a:prstGeom prst="rect">
+            <a:avLst/>
+          </a:prstGeom>
+          <a:gradFill flip="none" rotWithShape="1">
+            <a:gsLst>
+              <a:gs pos="0">
+                <a:schemeClr val="bg1">
+                  <a:lumMod val="85000"/>
+                  <a:alpha val="40000"/>
+                </a:schemeClr>
+              </a:gs>
+              <a:gs pos="75000">
+                <a:srgbClr val="E06D6D">
+                  <a:alpha val="40000"/>
+                </a:srgbClr>
+              </a:gs>
+              <a:gs pos="25000">
+                <a:srgbClr val="E60000">
+                  <a:alpha val="40000"/>
+                </a:srgbClr>
+              </a:gs>
+              <a:gs pos="100000">
+                <a:schemeClr val="bg1">
+                  <a:lumMod val="85000"/>
+                  <a:alpha val="40000"/>
+                </a:schemeClr>
+              </a:gs>
+            </a:gsLst>
+            <a:lin ang="0" scaled="1"/>
+            <a:tileRect/>
+          </a:gradFill>
+          <a:ln w="0">
+            <a:noFill/>
+          </a:ln>
+        </p:spPr>
+        <p:style>
+          <a:lnRef idx="2">
+            <a:schemeClr val="accent1">
+              <a:shade val="50000"/>
+            </a:schemeClr>
+          </a:lnRef>
+          <a:fillRef idx="1">
+            <a:schemeClr val="accent1"/>
+          </a:fillRef>
+          <a:effectRef idx="0">
+            <a:schemeClr val="accent1"/>
+          </a:effectRef>
+          <a:fontRef idx="minor">
+            <a:schemeClr val="lt1"/>
+          </a:fontRef>
+        </p:style>
+        <p:txBody>
+          <a:bodyPr rtlCol="0" anchor="ctr"/>
+          <a:lstStyle/>
+          <a:p>
+            <a:pPr algn="ctr"/>
+            <a:endParaRPr lang="nl-NL"/>
+          </a:p>
+        </p:txBody>
+      </p:sp>
+      <p:sp>
+        <p:nvSpPr>
+          <p:cNvPr id="59" name="Rechthoek 5">
+            <a:extLst>
+              <a:ext uri="{FF2B5EF4-FFF2-40B4-BE49-F238E27FC236}">
+                <a16:creationId xmlns:a16="http://schemas.microsoft.com/office/drawing/2014/main" id="{09AA9DB7-7219-46A6-5FF0-C58FB4AC3F3C}"/>
+              </a:ext>
+            </a:extLst>
+          </p:cNvPr>
+          <p:cNvSpPr/>
+          <p:nvPr/>
+        </p:nvSpPr>
+        <p:spPr>
+          <a:xfrm>
+            <a:off x="590146" y="1480213"/>
+            <a:ext cx="45719" cy="2392985"/>
+          </a:xfrm>
+          <a:prstGeom prst="rect">
+            <a:avLst/>
+          </a:prstGeom>
+          <a:gradFill flip="none" rotWithShape="1">
+            <a:gsLst>
+              <a:gs pos="0">
+                <a:schemeClr val="bg1">
+                  <a:lumMod val="85000"/>
+                </a:schemeClr>
+              </a:gs>
+              <a:gs pos="75000">
+                <a:srgbClr val="E06D6D"/>
+              </a:gs>
+              <a:gs pos="25000">
+                <a:srgbClr val="E60000"/>
+              </a:gs>
+              <a:gs pos="100000">
+                <a:schemeClr val="bg1">
+                  <a:lumMod val="85000"/>
+                </a:schemeClr>
+              </a:gs>
+            </a:gsLst>
+            <a:lin ang="0" scaled="1"/>
+            <a:tileRect/>
+          </a:gradFill>
+          <a:ln w="0">
+            <a:noFill/>
+          </a:ln>
+        </p:spPr>
+        <p:style>
+          <a:lnRef idx="2">
+            <a:schemeClr val="accent1">
+              <a:shade val="50000"/>
+            </a:schemeClr>
+          </a:lnRef>
+          <a:fillRef idx="1">
+            <a:schemeClr val="accent1"/>
+          </a:fillRef>
+          <a:effectRef idx="0">
+            <a:schemeClr val="accent1"/>
+          </a:effectRef>
+          <a:fontRef idx="minor">
+            <a:schemeClr val="lt1"/>
+          </a:fontRef>
+        </p:style>
+        <p:txBody>
+          <a:bodyPr rtlCol="0" anchor="ctr"/>
+          <a:lstStyle/>
+          <a:p>
+            <a:pPr algn="ctr"/>
+            <a:endParaRPr lang="nl-NL"/>
+          </a:p>
+        </p:txBody>
+      </p:sp>
+      <p:sp>
+        <p:nvSpPr>
+          <p:cNvPr id="28" name="Rechthoek 16">
+            <a:extLst>
+              <a:ext uri="{FF2B5EF4-FFF2-40B4-BE49-F238E27FC236}">
+                <a16:creationId xmlns:a16="http://schemas.microsoft.com/office/drawing/2014/main" id="{91302E8E-A6B3-7A6E-FF6E-E3339D093F39}"/>
+              </a:ext>
+            </a:extLst>
+          </p:cNvPr>
+          <p:cNvSpPr/>
+          <p:nvPr/>
+        </p:nvSpPr>
+        <p:spPr>
           <a:xfrm rot="2700000" flipH="1">
-            <a:off x="2383127" y="2676829"/>
-            <a:ext cx="36000" cy="252000"/>
+            <a:off x="588832" y="1301650"/>
+            <a:ext cx="36000" cy="360000"/>
           </a:xfrm>
           <a:prstGeom prst="rect">
             <a:avLst/>
@@ -15783,10 +16699,10 @@
       </p:sp>
       <p:sp>
         <p:nvSpPr>
-          <p:cNvPr id="46" name="Rechthoek 5">
-            <a:extLst>
-              <a:ext uri="{FF2B5EF4-FFF2-40B4-BE49-F238E27FC236}">
-                <a16:creationId xmlns:a16="http://schemas.microsoft.com/office/drawing/2014/main" id="{175FF2E6-B897-4A46-7B57-67B2B39B485B}"/>
+          <p:cNvPr id="60" name="Rechthoek 5">
+            <a:extLst>
+              <a:ext uri="{FF2B5EF4-FFF2-40B4-BE49-F238E27FC236}">
+                <a16:creationId xmlns:a16="http://schemas.microsoft.com/office/drawing/2014/main" id="{F08B25DE-04C6-0795-BB88-C0E5CA1313D8}"/>
               </a:ext>
             </a:extLst>
           </p:cNvPr>
@@ -15794,9 +16710,9 @@
           <p:nvPr/>
         </p:nvSpPr>
         <p:spPr>
-          <a:xfrm rot="5400000">
-            <a:off x="7105562" y="2037151"/>
-            <a:ext cx="45719" cy="1582310"/>
+          <a:xfrm rot="5400000" flipH="1">
+            <a:off x="1629846" y="2842329"/>
+            <a:ext cx="45719" cy="2033683"/>
           </a:xfrm>
           <a:prstGeom prst="rect">
             <a:avLst/>
@@ -15854,10 +16770,10 @@
       </p:sp>
       <p:sp>
         <p:nvSpPr>
-          <p:cNvPr id="47" name="Rechthoek 108">
-            <a:extLst>
-              <a:ext uri="{FF2B5EF4-FFF2-40B4-BE49-F238E27FC236}">
-                <a16:creationId xmlns:a16="http://schemas.microsoft.com/office/drawing/2014/main" id="{6D0DB3CB-A45C-65D2-5DED-C322232F254F}"/>
+          <p:cNvPr id="61" name="Rechthoek 5">
+            <a:extLst>
+              <a:ext uri="{FF2B5EF4-FFF2-40B4-BE49-F238E27FC236}">
+                <a16:creationId xmlns:a16="http://schemas.microsoft.com/office/drawing/2014/main" id="{130ABA8F-8855-C4B7-E435-C1F45E009CA6}"/>
               </a:ext>
             </a:extLst>
           </p:cNvPr>
@@ -15865,9 +16781,208 @@
           <p:nvPr/>
         </p:nvSpPr>
         <p:spPr>
-          <a:xfrm rot="5400000" flipH="1">
-            <a:off x="2296848" y="4552714"/>
-            <a:ext cx="45719" cy="316418"/>
+          <a:xfrm rot="748476" flipH="1">
+            <a:off x="2570437" y="3851148"/>
+            <a:ext cx="45719" cy="540000"/>
+          </a:xfrm>
+          <a:prstGeom prst="rect">
+            <a:avLst/>
+          </a:prstGeom>
+          <a:gradFill flip="none" rotWithShape="1">
+            <a:gsLst>
+              <a:gs pos="0">
+                <a:schemeClr val="bg1">
+                  <a:lumMod val="85000"/>
+                </a:schemeClr>
+              </a:gs>
+              <a:gs pos="75000">
+                <a:srgbClr val="E06D6D"/>
+              </a:gs>
+              <a:gs pos="25000">
+                <a:srgbClr val="E60000"/>
+              </a:gs>
+              <a:gs pos="100000">
+                <a:schemeClr val="bg1">
+                  <a:lumMod val="85000"/>
+                </a:schemeClr>
+              </a:gs>
+            </a:gsLst>
+            <a:lin ang="0" scaled="1"/>
+            <a:tileRect/>
+          </a:gradFill>
+          <a:ln w="0">
+            <a:noFill/>
+          </a:ln>
+        </p:spPr>
+        <p:style>
+          <a:lnRef idx="2">
+            <a:schemeClr val="accent1">
+              <a:shade val="50000"/>
+            </a:schemeClr>
+          </a:lnRef>
+          <a:fillRef idx="1">
+            <a:schemeClr val="accent1"/>
+          </a:fillRef>
+          <a:effectRef idx="0">
+            <a:schemeClr val="accent1"/>
+          </a:effectRef>
+          <a:fontRef idx="minor">
+            <a:schemeClr val="lt1"/>
+          </a:fontRef>
+        </p:style>
+        <p:txBody>
+          <a:bodyPr rtlCol="0" anchor="ctr"/>
+          <a:lstStyle/>
+          <a:p>
+            <a:pPr algn="ctr"/>
+            <a:endParaRPr lang="nl-NL"/>
+          </a:p>
+        </p:txBody>
+      </p:sp>
+      <p:sp>
+        <p:nvSpPr>
+          <p:cNvPr id="43" name="Rechthoek 5">
+            <a:extLst>
+              <a:ext uri="{FF2B5EF4-FFF2-40B4-BE49-F238E27FC236}">
+                <a16:creationId xmlns:a16="http://schemas.microsoft.com/office/drawing/2014/main" id="{972B1041-E02D-D886-497D-6F7F697E92A0}"/>
+              </a:ext>
+            </a:extLst>
+          </p:cNvPr>
+          <p:cNvSpPr/>
+          <p:nvPr/>
+        </p:nvSpPr>
+        <p:spPr>
+          <a:xfrm rot="16200000" flipH="1">
+            <a:off x="3701828" y="2808334"/>
+            <a:ext cx="45719" cy="2443470"/>
+          </a:xfrm>
+          <a:prstGeom prst="rect">
+            <a:avLst/>
+          </a:prstGeom>
+          <a:gradFill flip="none" rotWithShape="1">
+            <a:gsLst>
+              <a:gs pos="0">
+                <a:srgbClr val="0070C0"/>
+              </a:gs>
+              <a:gs pos="50000">
+                <a:srgbClr val="FFFF00"/>
+              </a:gs>
+              <a:gs pos="100000">
+                <a:srgbClr val="E60000"/>
+              </a:gs>
+            </a:gsLst>
+            <a:lin ang="0" scaled="1"/>
+            <a:tileRect/>
+          </a:gradFill>
+          <a:ln w="0">
+            <a:noFill/>
+          </a:ln>
+        </p:spPr>
+        <p:style>
+          <a:lnRef idx="2">
+            <a:schemeClr val="accent1">
+              <a:shade val="50000"/>
+            </a:schemeClr>
+          </a:lnRef>
+          <a:fillRef idx="1">
+            <a:schemeClr val="accent1"/>
+          </a:fillRef>
+          <a:effectRef idx="0">
+            <a:schemeClr val="accent1"/>
+          </a:effectRef>
+          <a:fontRef idx="minor">
+            <a:schemeClr val="lt1"/>
+          </a:fontRef>
+        </p:style>
+        <p:txBody>
+          <a:bodyPr rtlCol="0" anchor="ctr"/>
+          <a:lstStyle/>
+          <a:p>
+            <a:pPr algn="ctr"/>
+            <a:endParaRPr lang="nl-NL"/>
+          </a:p>
+        </p:txBody>
+      </p:sp>
+      <p:sp>
+        <p:nvSpPr>
+          <p:cNvPr id="44" name="Rechthoek 5">
+            <a:extLst>
+              <a:ext uri="{FF2B5EF4-FFF2-40B4-BE49-F238E27FC236}">
+                <a16:creationId xmlns:a16="http://schemas.microsoft.com/office/drawing/2014/main" id="{02A0A754-3367-1F9F-4D86-E5B3DC83CB71}"/>
+              </a:ext>
+            </a:extLst>
+          </p:cNvPr>
+          <p:cNvSpPr/>
+          <p:nvPr/>
+        </p:nvSpPr>
+        <p:spPr>
+          <a:xfrm rot="10800000" flipH="1">
+            <a:off x="2501055" y="4043111"/>
+            <a:ext cx="50898" cy="297534"/>
+          </a:xfrm>
+          <a:prstGeom prst="rect">
+            <a:avLst/>
+          </a:prstGeom>
+          <a:gradFill flip="none" rotWithShape="1">
+            <a:gsLst>
+              <a:gs pos="0">
+                <a:srgbClr val="E60000"/>
+              </a:gs>
+              <a:gs pos="50000">
+                <a:srgbClr val="FFFF00"/>
+              </a:gs>
+              <a:gs pos="100000">
+                <a:srgbClr val="0070C0"/>
+              </a:gs>
+            </a:gsLst>
+            <a:lin ang="0" scaled="1"/>
+            <a:tileRect/>
+          </a:gradFill>
+          <a:ln w="0">
+            <a:noFill/>
+          </a:ln>
+        </p:spPr>
+        <p:style>
+          <a:lnRef idx="2">
+            <a:schemeClr val="accent1">
+              <a:shade val="50000"/>
+            </a:schemeClr>
+          </a:lnRef>
+          <a:fillRef idx="1">
+            <a:schemeClr val="accent1"/>
+          </a:fillRef>
+          <a:effectRef idx="0">
+            <a:schemeClr val="accent1"/>
+          </a:effectRef>
+          <a:fontRef idx="minor">
+            <a:schemeClr val="lt1"/>
+          </a:fontRef>
+        </p:style>
+        <p:txBody>
+          <a:bodyPr rtlCol="0" anchor="ctr"/>
+          <a:lstStyle/>
+          <a:p>
+            <a:pPr algn="ctr"/>
+            <a:endParaRPr lang="nl-NL"/>
+          </a:p>
+        </p:txBody>
+      </p:sp>
+      <p:sp>
+        <p:nvSpPr>
+          <p:cNvPr id="31" name="Rechthoek 16">
+            <a:extLst>
+              <a:ext uri="{FF2B5EF4-FFF2-40B4-BE49-F238E27FC236}">
+                <a16:creationId xmlns:a16="http://schemas.microsoft.com/office/drawing/2014/main" id="{BBC9547D-F3F4-0BB9-DA3E-8C8073AE4D81}"/>
+              </a:ext>
+            </a:extLst>
+          </p:cNvPr>
+          <p:cNvSpPr/>
+          <p:nvPr/>
+        </p:nvSpPr>
+        <p:spPr>
+          <a:xfrm rot="2700000" flipH="1">
+            <a:off x="2483055" y="3909174"/>
+            <a:ext cx="36000" cy="252000"/>
           </a:xfrm>
           <a:prstGeom prst="rect">
             <a:avLst/>
@@ -15875,16 +16990,21 @@
           <a:gradFill>
             <a:gsLst>
               <a:gs pos="51000">
-                <a:schemeClr val="tx1"/>
+                <a:schemeClr val="accent1">
+                  <a:lumMod val="20000"/>
+                  <a:lumOff val="80000"/>
+                </a:schemeClr>
               </a:gs>
               <a:gs pos="100000">
-                <a:schemeClr val="bg2">
-                  <a:lumMod val="25000"/>
+                <a:schemeClr val="accent1">
+                  <a:lumMod val="60000"/>
+                  <a:lumOff val="40000"/>
                 </a:schemeClr>
               </a:gs>
               <a:gs pos="0">
-                <a:schemeClr val="bg2">
-                  <a:lumMod val="25000"/>
+                <a:schemeClr val="accent1">
+                  <a:lumMod val="60000"/>
+                  <a:lumOff val="40000"/>
                 </a:schemeClr>
               </a:gs>
             </a:gsLst>
@@ -15936,10 +17056,230 @@
       </p:sp>
       <p:sp>
         <p:nvSpPr>
-          <p:cNvPr id="48" name="TextBox 47">
-            <a:extLst>
-              <a:ext uri="{FF2B5EF4-FFF2-40B4-BE49-F238E27FC236}">
-                <a16:creationId xmlns:a16="http://schemas.microsoft.com/office/drawing/2014/main" id="{788D3208-D71B-6F4C-34D3-74463D5EBA5C}"/>
+          <p:cNvPr id="32" name="Rectangle 31">
+            <a:extLst>
+              <a:ext uri="{FF2B5EF4-FFF2-40B4-BE49-F238E27FC236}">
+                <a16:creationId xmlns:a16="http://schemas.microsoft.com/office/drawing/2014/main" id="{94FF6615-1901-8AB8-1F55-5F09F2384B52}"/>
+              </a:ext>
+            </a:extLst>
+          </p:cNvPr>
+          <p:cNvSpPr/>
+          <p:nvPr/>
+        </p:nvSpPr>
+        <p:spPr>
+          <a:xfrm>
+            <a:off x="2401127" y="4340645"/>
+            <a:ext cx="336097" cy="203648"/>
+          </a:xfrm>
+          <a:prstGeom prst="rect">
+            <a:avLst/>
+          </a:prstGeom>
+        </p:spPr>
+        <p:style>
+          <a:lnRef idx="2">
+            <a:schemeClr val="accent1">
+              <a:shade val="15000"/>
+            </a:schemeClr>
+          </a:lnRef>
+          <a:fillRef idx="1">
+            <a:schemeClr val="accent1"/>
+          </a:fillRef>
+          <a:effectRef idx="0">
+            <a:schemeClr val="accent1"/>
+          </a:effectRef>
+          <a:fontRef idx="minor">
+            <a:schemeClr val="lt1"/>
+          </a:fontRef>
+        </p:style>
+        <p:txBody>
+          <a:bodyPr rtlCol="0" anchor="ctr"/>
+          <a:lstStyle/>
+          <a:p>
+            <a:pPr algn="ctr"/>
+            <a:endParaRPr lang="en-NL"/>
+          </a:p>
+        </p:txBody>
+      </p:sp>
+      <p:sp>
+        <p:nvSpPr>
+          <p:cNvPr id="30" name="Rechthoek 16">
+            <a:extLst>
+              <a:ext uri="{FF2B5EF4-FFF2-40B4-BE49-F238E27FC236}">
+                <a16:creationId xmlns:a16="http://schemas.microsoft.com/office/drawing/2014/main" id="{2F2445F0-DEF3-9EE8-3F29-30AA0BF8AE80}"/>
+              </a:ext>
+            </a:extLst>
+          </p:cNvPr>
+          <p:cNvSpPr/>
+          <p:nvPr/>
+        </p:nvSpPr>
+        <p:spPr>
+          <a:xfrm rot="19267642" flipH="1">
+            <a:off x="2639112" y="3720725"/>
+            <a:ext cx="36000" cy="252000"/>
+          </a:xfrm>
+          <a:prstGeom prst="rect">
+            <a:avLst/>
+          </a:prstGeom>
+          <a:gradFill>
+            <a:gsLst>
+              <a:gs pos="51000">
+                <a:schemeClr val="accent1">
+                  <a:lumMod val="20000"/>
+                  <a:lumOff val="80000"/>
+                </a:schemeClr>
+              </a:gs>
+              <a:gs pos="100000">
+                <a:schemeClr val="accent1">
+                  <a:lumMod val="60000"/>
+                  <a:lumOff val="40000"/>
+                </a:schemeClr>
+              </a:gs>
+              <a:gs pos="0">
+                <a:schemeClr val="accent1">
+                  <a:lumMod val="60000"/>
+                  <a:lumOff val="40000"/>
+                </a:schemeClr>
+              </a:gs>
+            </a:gsLst>
+            <a:lin ang="5400000" scaled="0"/>
+          </a:gradFill>
+          <a:ln w="3175">
+            <a:solidFill>
+              <a:schemeClr val="tx1"/>
+            </a:solidFill>
+          </a:ln>
+          <a:effectLst>
+            <a:softEdge rad="0"/>
+          </a:effectLst>
+          <a:scene3d>
+            <a:camera prst="orthographicFront"/>
+            <a:lightRig rig="balanced" dir="t">
+              <a:rot lat="0" lon="0" rev="21594000"/>
+            </a:lightRig>
+          </a:scene3d>
+        </p:spPr>
+        <p:style>
+          <a:lnRef idx="2">
+            <a:schemeClr val="accent1">
+              <a:shade val="50000"/>
+            </a:schemeClr>
+          </a:lnRef>
+          <a:fillRef idx="1">
+            <a:schemeClr val="accent1"/>
+          </a:fillRef>
+          <a:effectRef idx="0">
+            <a:schemeClr val="accent1"/>
+          </a:effectRef>
+          <a:fontRef idx="minor">
+            <a:schemeClr val="lt1"/>
+          </a:fontRef>
+        </p:style>
+        <p:txBody>
+          <a:bodyPr rtlCol="0" anchor="ctr"/>
+          <a:lstStyle/>
+          <a:p>
+            <a:pPr algn="ctr"/>
+            <a:endParaRPr lang="nl-NL" b="0" dirty="0"/>
+          </a:p>
+          <a:p>
+            <a:pPr algn="ctr"/>
+            <a:endParaRPr lang="nl-NL" dirty="0"/>
+          </a:p>
+        </p:txBody>
+      </p:sp>
+      <p:sp>
+        <p:nvSpPr>
+          <p:cNvPr id="29" name="Rechthoek 16">
+            <a:extLst>
+              <a:ext uri="{FF2B5EF4-FFF2-40B4-BE49-F238E27FC236}">
+                <a16:creationId xmlns:a16="http://schemas.microsoft.com/office/drawing/2014/main" id="{0204C3E5-15B8-DB3F-8888-E192E5908E9C}"/>
+              </a:ext>
+            </a:extLst>
+          </p:cNvPr>
+          <p:cNvSpPr/>
+          <p:nvPr/>
+        </p:nvSpPr>
+        <p:spPr>
+          <a:xfrm rot="-2700000" flipH="1">
+            <a:off x="588831" y="3716914"/>
+            <a:ext cx="36000" cy="252000"/>
+          </a:xfrm>
+          <a:prstGeom prst="rect">
+            <a:avLst/>
+          </a:prstGeom>
+          <a:gradFill>
+            <a:gsLst>
+              <a:gs pos="51000">
+                <a:schemeClr val="accent1">
+                  <a:lumMod val="20000"/>
+                  <a:lumOff val="80000"/>
+                </a:schemeClr>
+              </a:gs>
+              <a:gs pos="100000">
+                <a:schemeClr val="accent1">
+                  <a:lumMod val="60000"/>
+                  <a:lumOff val="40000"/>
+                </a:schemeClr>
+              </a:gs>
+              <a:gs pos="0">
+                <a:schemeClr val="accent1">
+                  <a:lumMod val="60000"/>
+                  <a:lumOff val="40000"/>
+                </a:schemeClr>
+              </a:gs>
+            </a:gsLst>
+            <a:lin ang="5400000" scaled="0"/>
+          </a:gradFill>
+          <a:ln w="3175">
+            <a:solidFill>
+              <a:schemeClr val="tx1"/>
+            </a:solidFill>
+          </a:ln>
+          <a:effectLst>
+            <a:softEdge rad="0"/>
+          </a:effectLst>
+          <a:scene3d>
+            <a:camera prst="orthographicFront"/>
+            <a:lightRig rig="balanced" dir="t">
+              <a:rot lat="0" lon="0" rev="21594000"/>
+            </a:lightRig>
+          </a:scene3d>
+        </p:spPr>
+        <p:style>
+          <a:lnRef idx="2">
+            <a:schemeClr val="accent1">
+              <a:shade val="50000"/>
+            </a:schemeClr>
+          </a:lnRef>
+          <a:fillRef idx="1">
+            <a:schemeClr val="accent1"/>
+          </a:fillRef>
+          <a:effectRef idx="0">
+            <a:schemeClr val="accent1"/>
+          </a:effectRef>
+          <a:fontRef idx="minor">
+            <a:schemeClr val="lt1"/>
+          </a:fontRef>
+        </p:style>
+        <p:txBody>
+          <a:bodyPr rtlCol="0" anchor="ctr"/>
+          <a:lstStyle/>
+          <a:p>
+            <a:pPr algn="ctr"/>
+            <a:endParaRPr lang="nl-NL" b="0" dirty="0"/>
+          </a:p>
+          <a:p>
+            <a:pPr algn="ctr"/>
+            <a:endParaRPr lang="nl-NL" dirty="0"/>
+          </a:p>
+        </p:txBody>
+      </p:sp>
+      <p:sp>
+        <p:nvSpPr>
+          <p:cNvPr id="64" name="TextBox 63">
+            <a:extLst>
+              <a:ext uri="{FF2B5EF4-FFF2-40B4-BE49-F238E27FC236}">
+                <a16:creationId xmlns:a16="http://schemas.microsoft.com/office/drawing/2014/main" id="{1BC5D5D4-06A9-0FE3-9640-771AC0BFFBF2}"/>
               </a:ext>
             </a:extLst>
           </p:cNvPr>
@@ -15948,8 +17288,8 @@
         </p:nvSpPr>
         <p:spPr>
           <a:xfrm>
-            <a:off x="2909137" y="3703921"/>
-            <a:ext cx="746739" cy="338554"/>
+            <a:off x="1155179" y="1162273"/>
+            <a:ext cx="1385641" cy="338554"/>
           </a:xfrm>
           <a:prstGeom prst="rect">
             <a:avLst/>
@@ -15964,7 +17304,11 @@
           <a:p>
             <a:r>
               <a:rPr lang="en-US" sz="1600" dirty="0"/>
-              <a:t>Probe</a:t>
+              <a:t>Pump 25 </a:t>
+            </a:r>
+            <a:r>
+              <a:rPr lang="en-US" sz="1600" dirty="0" err="1"/>
+              <a:t>KHz</a:t>
             </a:r>
             <a:endParaRPr lang="en-NL" sz="1600" dirty="0"/>
           </a:p>
@@ -15972,10 +17316,10 @@
       </p:sp>
       <p:sp>
         <p:nvSpPr>
-          <p:cNvPr id="49" name="TextBox 48">
-            <a:extLst>
-              <a:ext uri="{FF2B5EF4-FFF2-40B4-BE49-F238E27FC236}">
-                <a16:creationId xmlns:a16="http://schemas.microsoft.com/office/drawing/2014/main" id="{599B3940-AC9B-8ADD-1C4A-FA8C57481377}"/>
+          <p:cNvPr id="65" name="TextBox 64">
+            <a:extLst>
+              <a:ext uri="{FF2B5EF4-FFF2-40B4-BE49-F238E27FC236}">
+                <a16:creationId xmlns:a16="http://schemas.microsoft.com/office/drawing/2014/main" id="{9C8CCE12-022C-A6B1-8203-F9D244AD2970}"/>
               </a:ext>
             </a:extLst>
           </p:cNvPr>
@@ -15984,8 +17328,8 @@
         </p:nvSpPr>
         <p:spPr>
           <a:xfrm>
-            <a:off x="4644990" y="2502397"/>
-            <a:ext cx="1423661" cy="338554"/>
+            <a:off x="2591532" y="2359293"/>
+            <a:ext cx="1385642" cy="338554"/>
           </a:xfrm>
           <a:prstGeom prst="rect">
             <a:avLst/>
@@ -16000,7 +17344,7 @@
           <a:p>
             <a:r>
               <a:rPr lang="en-US" sz="1600" dirty="0"/>
-              <a:t>Fundamental</a:t>
+              <a:t>Delay Stage</a:t>
             </a:r>
             <a:endParaRPr lang="en-NL" sz="1600" dirty="0"/>
           </a:p>
@@ -16008,37 +17352,148 @@
       </p:sp>
       <p:sp>
         <p:nvSpPr>
-          <p:cNvPr id="53" name="Rectangle 52">
-            <a:extLst>
-              <a:ext uri="{FF2B5EF4-FFF2-40B4-BE49-F238E27FC236}">
-                <a16:creationId xmlns:a16="http://schemas.microsoft.com/office/drawing/2014/main" id="{0FA4BDAA-6041-70E1-9999-A98CC71D4BA3}"/>
-              </a:ext>
-            </a:extLst>
-          </p:cNvPr>
-          <p:cNvSpPr/>
+          <p:cNvPr id="66" name="TextBox 65">
+            <a:extLst>
+              <a:ext uri="{FF2B5EF4-FFF2-40B4-BE49-F238E27FC236}">
+                <a16:creationId xmlns:a16="http://schemas.microsoft.com/office/drawing/2014/main" id="{C0E7CC7F-0792-8616-8B97-7E5AF94934A8}"/>
+              </a:ext>
+            </a:extLst>
+          </p:cNvPr>
+          <p:cNvSpPr txBox="1"/>
           <p:nvPr/>
         </p:nvSpPr>
         <p:spPr>
           <a:xfrm>
-            <a:off x="5932841" y="1073981"/>
-            <a:ext cx="2836585" cy="1090785"/>
+            <a:off x="2873905" y="936950"/>
+            <a:ext cx="1372994" cy="338554"/>
           </a:xfrm>
           <a:prstGeom prst="rect">
             <a:avLst/>
           </a:prstGeom>
+          <a:noFill/>
+        </p:spPr>
+        <p:txBody>
+          <a:bodyPr wrap="square" rtlCol="0" anchor="t" anchorCtr="1">
+            <a:spAutoFit/>
+          </a:bodyPr>
+          <a:lstStyle/>
+          <a:p>
+            <a:r>
+              <a:rPr lang="en-US" sz="1600" dirty="0"/>
+              <a:t>Pockels Cell</a:t>
+            </a:r>
+            <a:endParaRPr lang="en-NL" sz="1600" dirty="0"/>
+          </a:p>
+        </p:txBody>
+      </p:sp>
+      <p:sp>
+        <p:nvSpPr>
+          <p:cNvPr id="20" name="TextBox 19">
+            <a:extLst>
+              <a:ext uri="{FF2B5EF4-FFF2-40B4-BE49-F238E27FC236}">
+                <a16:creationId xmlns:a16="http://schemas.microsoft.com/office/drawing/2014/main" id="{88E10F60-CE11-EBDF-7534-45B88D014B12}"/>
+              </a:ext>
+            </a:extLst>
+          </p:cNvPr>
+          <p:cNvSpPr txBox="1"/>
+          <p:nvPr/>
+        </p:nvSpPr>
+        <p:spPr>
+          <a:xfrm>
+            <a:off x="2693337" y="4279235"/>
+            <a:ext cx="962539" cy="338554"/>
+          </a:xfrm>
+          <a:prstGeom prst="rect">
+            <a:avLst/>
+          </a:prstGeom>
+          <a:noFill/>
+        </p:spPr>
+        <p:txBody>
+          <a:bodyPr wrap="square" rtlCol="0">
+            <a:spAutoFit/>
+          </a:bodyPr>
+          <a:lstStyle/>
+          <a:p>
+            <a:r>
+              <a:rPr lang="en-US" sz="1600" dirty="0"/>
+              <a:t>Sample</a:t>
+            </a:r>
+            <a:endParaRPr lang="en-NL" sz="1600" dirty="0"/>
+          </a:p>
+        </p:txBody>
+      </p:sp>
+      <p:sp>
+        <p:nvSpPr>
+          <p:cNvPr id="38" name="Rechthoek 16">
+            <a:extLst>
+              <a:ext uri="{FF2B5EF4-FFF2-40B4-BE49-F238E27FC236}">
+                <a16:creationId xmlns:a16="http://schemas.microsoft.com/office/drawing/2014/main" id="{C9D964D8-D4DE-0430-7575-369D54204518}"/>
+              </a:ext>
+            </a:extLst>
+          </p:cNvPr>
+          <p:cNvSpPr/>
+          <p:nvPr/>
+        </p:nvSpPr>
+        <p:spPr>
+          <a:xfrm rot="2700000" flipH="1">
+            <a:off x="4932239" y="3910453"/>
+            <a:ext cx="36000" cy="252000"/>
+          </a:xfrm>
+          <a:prstGeom prst="rect">
+            <a:avLst/>
+          </a:prstGeom>
+          <a:gradFill>
+            <a:gsLst>
+              <a:gs pos="51000">
+                <a:schemeClr val="accent1">
+                  <a:lumMod val="20000"/>
+                  <a:lumOff val="80000"/>
+                </a:schemeClr>
+              </a:gs>
+              <a:gs pos="100000">
+                <a:schemeClr val="accent1">
+                  <a:lumMod val="60000"/>
+                  <a:lumOff val="40000"/>
+                </a:schemeClr>
+              </a:gs>
+              <a:gs pos="0">
+                <a:schemeClr val="accent1">
+                  <a:lumMod val="60000"/>
+                  <a:lumOff val="40000"/>
+                </a:schemeClr>
+              </a:gs>
+            </a:gsLst>
+            <a:lin ang="5400000" scaled="0"/>
+          </a:gradFill>
+          <a:ln w="3175">
+            <a:solidFill>
+              <a:schemeClr val="tx1"/>
+            </a:solidFill>
+          </a:ln>
+          <a:effectLst>
+            <a:softEdge rad="0"/>
+          </a:effectLst>
+          <a:scene3d>
+            <a:camera prst="orthographicFront"/>
+            <a:lightRig rig="balanced" dir="t">
+              <a:rot lat="0" lon="0" rev="21594000"/>
+            </a:lightRig>
+          </a:scene3d>
         </p:spPr>
         <p:style>
           <a:lnRef idx="2">
-            <a:schemeClr val="dk1"/>
+            <a:schemeClr val="accent1">
+              <a:shade val="50000"/>
+            </a:schemeClr>
           </a:lnRef>
           <a:fillRef idx="1">
-            <a:schemeClr val="lt1"/>
+            <a:schemeClr val="accent1"/>
           </a:fillRef>
           <a:effectRef idx="0">
-            <a:schemeClr val="dk1"/>
+            <a:schemeClr val="accent1"/>
           </a:effectRef>
           <a:fontRef idx="minor">
-            <a:schemeClr val="dk1"/>
+            <a:schemeClr val="lt1"/>
           </a:fontRef>
         </p:style>
         <p:txBody>
@@ -16046,11 +17501,11 @@
           <a:lstStyle/>
           <a:p>
             <a:pPr algn="ctr"/>
-            <a:r>
-              <a:rPr lang="en-US" dirty="0"/>
-              <a:t>ORPHEUS</a:t>
-            </a:r>
-            <a:endParaRPr lang="en-NL" dirty="0"/>
+            <a:endParaRPr lang="nl-NL" b="0" dirty="0"/>
+          </a:p>
+          <a:p>
+            <a:pPr algn="ctr"/>
+            <a:endParaRPr lang="nl-NL" dirty="0"/>
           </a:p>
         </p:txBody>
       </p:sp>
@@ -16223,1252 +17678,6 @@
           </p:txBody>
         </p:sp>
       </p:grpSp>
-      <p:sp>
-        <p:nvSpPr>
-          <p:cNvPr id="54" name="Rectangle 53">
-            <a:extLst>
-              <a:ext uri="{FF2B5EF4-FFF2-40B4-BE49-F238E27FC236}">
-                <a16:creationId xmlns:a16="http://schemas.microsoft.com/office/drawing/2014/main" id="{0F791E1B-2BA6-A93D-5B1A-5C52649C1ADB}"/>
-              </a:ext>
-            </a:extLst>
-          </p:cNvPr>
-          <p:cNvSpPr/>
-          <p:nvPr/>
-        </p:nvSpPr>
-        <p:spPr>
-          <a:xfrm>
-            <a:off x="4788551" y="1309832"/>
-            <a:ext cx="1144290" cy="343635"/>
-          </a:xfrm>
-          <a:prstGeom prst="rect">
-            <a:avLst/>
-          </a:prstGeom>
-        </p:spPr>
-        <p:style>
-          <a:lnRef idx="2">
-            <a:schemeClr val="dk1"/>
-          </a:lnRef>
-          <a:fillRef idx="1">
-            <a:schemeClr val="lt1"/>
-          </a:fillRef>
-          <a:effectRef idx="0">
-            <a:schemeClr val="dk1"/>
-          </a:effectRef>
-          <a:fontRef idx="minor">
-            <a:schemeClr val="dk1"/>
-          </a:fontRef>
-        </p:style>
-        <p:txBody>
-          <a:bodyPr rtlCol="0" anchor="ctr"/>
-          <a:lstStyle/>
-          <a:p>
-            <a:pPr algn="ctr"/>
-            <a:r>
-              <a:rPr lang="en-US" dirty="0"/>
-              <a:t>LYRA</a:t>
-            </a:r>
-            <a:endParaRPr lang="en-NL" dirty="0"/>
-          </a:p>
-        </p:txBody>
-      </p:sp>
-      <p:sp>
-        <p:nvSpPr>
-          <p:cNvPr id="55" name="Rechthoek 5">
-            <a:extLst>
-              <a:ext uri="{FF2B5EF4-FFF2-40B4-BE49-F238E27FC236}">
-                <a16:creationId xmlns:a16="http://schemas.microsoft.com/office/drawing/2014/main" id="{BBEB9460-3726-0F92-2487-51E17C016E76}"/>
-              </a:ext>
-            </a:extLst>
-          </p:cNvPr>
-          <p:cNvSpPr/>
-          <p:nvPr/>
-        </p:nvSpPr>
-        <p:spPr>
-          <a:xfrm rot="10800000">
-            <a:off x="6177269" y="2224989"/>
-            <a:ext cx="45719" cy="451559"/>
-          </a:xfrm>
-          <a:prstGeom prst="rect">
-            <a:avLst/>
-          </a:prstGeom>
-          <a:gradFill flip="none" rotWithShape="1">
-            <a:gsLst>
-              <a:gs pos="0">
-                <a:schemeClr val="bg1">
-                  <a:lumMod val="85000"/>
-                </a:schemeClr>
-              </a:gs>
-              <a:gs pos="75000">
-                <a:srgbClr val="E06D6D"/>
-              </a:gs>
-              <a:gs pos="25000">
-                <a:srgbClr val="E60000"/>
-              </a:gs>
-              <a:gs pos="100000">
-                <a:schemeClr val="bg1">
-                  <a:lumMod val="85000"/>
-                </a:schemeClr>
-              </a:gs>
-            </a:gsLst>
-            <a:lin ang="0" scaled="1"/>
-            <a:tileRect/>
-          </a:gradFill>
-          <a:ln w="0">
-            <a:noFill/>
-          </a:ln>
-        </p:spPr>
-        <p:style>
-          <a:lnRef idx="2">
-            <a:schemeClr val="accent1">
-              <a:shade val="50000"/>
-            </a:schemeClr>
-          </a:lnRef>
-          <a:fillRef idx="1">
-            <a:schemeClr val="accent1"/>
-          </a:fillRef>
-          <a:effectRef idx="0">
-            <a:schemeClr val="accent1"/>
-          </a:effectRef>
-          <a:fontRef idx="minor">
-            <a:schemeClr val="lt1"/>
-          </a:fontRef>
-        </p:style>
-        <p:txBody>
-          <a:bodyPr rtlCol="0" anchor="ctr"/>
-          <a:lstStyle/>
-          <a:p>
-            <a:pPr algn="ctr"/>
-            <a:endParaRPr lang="nl-NL"/>
-          </a:p>
-        </p:txBody>
-      </p:sp>
-      <p:sp>
-        <p:nvSpPr>
-          <p:cNvPr id="56" name="Rechthoek 5">
-            <a:extLst>
-              <a:ext uri="{FF2B5EF4-FFF2-40B4-BE49-F238E27FC236}">
-                <a16:creationId xmlns:a16="http://schemas.microsoft.com/office/drawing/2014/main" id="{039E402D-1EC3-71CD-B521-ABA238F86483}"/>
-              </a:ext>
-            </a:extLst>
-          </p:cNvPr>
-          <p:cNvSpPr/>
-          <p:nvPr/>
-        </p:nvSpPr>
-        <p:spPr>
-          <a:xfrm rot="16200000">
-            <a:off x="3699964" y="416826"/>
-            <a:ext cx="46625" cy="2130549"/>
-          </a:xfrm>
-          <a:prstGeom prst="rect">
-            <a:avLst/>
-          </a:prstGeom>
-          <a:gradFill flip="none" rotWithShape="1">
-            <a:gsLst>
-              <a:gs pos="0">
-                <a:schemeClr val="bg1">
-                  <a:lumMod val="85000"/>
-                </a:schemeClr>
-              </a:gs>
-              <a:gs pos="75000">
-                <a:srgbClr val="E06D6D"/>
-              </a:gs>
-              <a:gs pos="25000">
-                <a:srgbClr val="E60000"/>
-              </a:gs>
-              <a:gs pos="100000">
-                <a:schemeClr val="bg1">
-                  <a:lumMod val="85000"/>
-                </a:schemeClr>
-              </a:gs>
-            </a:gsLst>
-            <a:lin ang="0" scaled="1"/>
-            <a:tileRect/>
-          </a:gradFill>
-          <a:ln w="0">
-            <a:noFill/>
-          </a:ln>
-        </p:spPr>
-        <p:style>
-          <a:lnRef idx="2">
-            <a:schemeClr val="accent1">
-              <a:shade val="50000"/>
-            </a:schemeClr>
-          </a:lnRef>
-          <a:fillRef idx="1">
-            <a:schemeClr val="accent1"/>
-          </a:fillRef>
-          <a:effectRef idx="0">
-            <a:schemeClr val="accent1"/>
-          </a:effectRef>
-          <a:fontRef idx="minor">
-            <a:schemeClr val="lt1"/>
-          </a:fontRef>
-        </p:style>
-        <p:txBody>
-          <a:bodyPr rtlCol="0" anchor="ctr"/>
-          <a:lstStyle/>
-          <a:p>
-            <a:pPr algn="ctr"/>
-            <a:endParaRPr lang="nl-NL"/>
-          </a:p>
-        </p:txBody>
-      </p:sp>
-      <p:sp>
-        <p:nvSpPr>
-          <p:cNvPr id="57" name="Rechthoek 5">
-            <a:extLst>
-              <a:ext uri="{FF2B5EF4-FFF2-40B4-BE49-F238E27FC236}">
-                <a16:creationId xmlns:a16="http://schemas.microsoft.com/office/drawing/2014/main" id="{CEF1A557-B7C8-20B2-B927-EADD348FFDED}"/>
-              </a:ext>
-            </a:extLst>
-          </p:cNvPr>
-          <p:cNvSpPr/>
-          <p:nvPr/>
-        </p:nvSpPr>
-        <p:spPr>
-          <a:xfrm rot="16200000">
-            <a:off x="1286638" y="775301"/>
-            <a:ext cx="50304" cy="1409917"/>
-          </a:xfrm>
-          <a:prstGeom prst="rect">
-            <a:avLst/>
-          </a:prstGeom>
-          <a:gradFill flip="none" rotWithShape="1">
-            <a:gsLst>
-              <a:gs pos="0">
-                <a:schemeClr val="bg1">
-                  <a:lumMod val="85000"/>
-                </a:schemeClr>
-              </a:gs>
-              <a:gs pos="75000">
-                <a:srgbClr val="E06D6D"/>
-              </a:gs>
-              <a:gs pos="25000">
-                <a:srgbClr val="E60000"/>
-              </a:gs>
-              <a:gs pos="100000">
-                <a:schemeClr val="bg1">
-                  <a:lumMod val="85000"/>
-                </a:schemeClr>
-              </a:gs>
-            </a:gsLst>
-            <a:lin ang="0" scaled="1"/>
-            <a:tileRect/>
-          </a:gradFill>
-          <a:ln w="0">
-            <a:noFill/>
-          </a:ln>
-        </p:spPr>
-        <p:style>
-          <a:lnRef idx="2">
-            <a:schemeClr val="accent1">
-              <a:shade val="50000"/>
-            </a:schemeClr>
-          </a:lnRef>
-          <a:fillRef idx="1">
-            <a:schemeClr val="accent1"/>
-          </a:fillRef>
-          <a:effectRef idx="0">
-            <a:schemeClr val="accent1"/>
-          </a:effectRef>
-          <a:fontRef idx="minor">
-            <a:schemeClr val="lt1"/>
-          </a:fontRef>
-        </p:style>
-        <p:txBody>
-          <a:bodyPr rtlCol="0" anchor="ctr"/>
-          <a:lstStyle/>
-          <a:p>
-            <a:pPr algn="ctr"/>
-            <a:endParaRPr lang="nl-NL"/>
-          </a:p>
-        </p:txBody>
-      </p:sp>
-      <p:sp>
-        <p:nvSpPr>
-          <p:cNvPr id="58" name="Rechthoek 5">
-            <a:extLst>
-              <a:ext uri="{FF2B5EF4-FFF2-40B4-BE49-F238E27FC236}">
-                <a16:creationId xmlns:a16="http://schemas.microsoft.com/office/drawing/2014/main" id="{4EF5FC9F-16B8-1150-69CE-EBB5F7530888}"/>
-              </a:ext>
-            </a:extLst>
-          </p:cNvPr>
-          <p:cNvSpPr/>
-          <p:nvPr/>
-        </p:nvSpPr>
-        <p:spPr>
-          <a:xfrm rot="16200000">
-            <a:off x="2314373" y="1158102"/>
-            <a:ext cx="46625" cy="640633"/>
-          </a:xfrm>
-          <a:prstGeom prst="rect">
-            <a:avLst/>
-          </a:prstGeom>
-          <a:gradFill flip="none" rotWithShape="1">
-            <a:gsLst>
-              <a:gs pos="0">
-                <a:schemeClr val="bg1">
-                  <a:lumMod val="85000"/>
-                  <a:alpha val="40000"/>
-                </a:schemeClr>
-              </a:gs>
-              <a:gs pos="75000">
-                <a:srgbClr val="E06D6D">
-                  <a:alpha val="40000"/>
-                </a:srgbClr>
-              </a:gs>
-              <a:gs pos="25000">
-                <a:srgbClr val="E60000">
-                  <a:alpha val="40000"/>
-                </a:srgbClr>
-              </a:gs>
-              <a:gs pos="100000">
-                <a:schemeClr val="bg1">
-                  <a:lumMod val="85000"/>
-                  <a:alpha val="40000"/>
-                </a:schemeClr>
-              </a:gs>
-            </a:gsLst>
-            <a:lin ang="0" scaled="1"/>
-            <a:tileRect/>
-          </a:gradFill>
-          <a:ln w="0">
-            <a:noFill/>
-          </a:ln>
-        </p:spPr>
-        <p:style>
-          <a:lnRef idx="2">
-            <a:schemeClr val="accent1">
-              <a:shade val="50000"/>
-            </a:schemeClr>
-          </a:lnRef>
-          <a:fillRef idx="1">
-            <a:schemeClr val="accent1"/>
-          </a:fillRef>
-          <a:effectRef idx="0">
-            <a:schemeClr val="accent1"/>
-          </a:effectRef>
-          <a:fontRef idx="minor">
-            <a:schemeClr val="lt1"/>
-          </a:fontRef>
-        </p:style>
-        <p:txBody>
-          <a:bodyPr rtlCol="0" anchor="ctr"/>
-          <a:lstStyle/>
-          <a:p>
-            <a:pPr algn="ctr"/>
-            <a:endParaRPr lang="nl-NL"/>
-          </a:p>
-        </p:txBody>
-      </p:sp>
-      <p:sp>
-        <p:nvSpPr>
-          <p:cNvPr id="59" name="Rechthoek 5">
-            <a:extLst>
-              <a:ext uri="{FF2B5EF4-FFF2-40B4-BE49-F238E27FC236}">
-                <a16:creationId xmlns:a16="http://schemas.microsoft.com/office/drawing/2014/main" id="{09AA9DB7-7219-46A6-5FF0-C58FB4AC3F3C}"/>
-              </a:ext>
-            </a:extLst>
-          </p:cNvPr>
-          <p:cNvSpPr/>
-          <p:nvPr/>
-        </p:nvSpPr>
-        <p:spPr>
-          <a:xfrm>
-            <a:off x="590146" y="1480213"/>
-            <a:ext cx="45719" cy="2392985"/>
-          </a:xfrm>
-          <a:prstGeom prst="rect">
-            <a:avLst/>
-          </a:prstGeom>
-          <a:gradFill flip="none" rotWithShape="1">
-            <a:gsLst>
-              <a:gs pos="0">
-                <a:schemeClr val="bg1">
-                  <a:lumMod val="85000"/>
-                </a:schemeClr>
-              </a:gs>
-              <a:gs pos="75000">
-                <a:srgbClr val="E06D6D"/>
-              </a:gs>
-              <a:gs pos="25000">
-                <a:srgbClr val="E60000"/>
-              </a:gs>
-              <a:gs pos="100000">
-                <a:schemeClr val="bg1">
-                  <a:lumMod val="85000"/>
-                </a:schemeClr>
-              </a:gs>
-            </a:gsLst>
-            <a:lin ang="0" scaled="1"/>
-            <a:tileRect/>
-          </a:gradFill>
-          <a:ln w="0">
-            <a:noFill/>
-          </a:ln>
-        </p:spPr>
-        <p:style>
-          <a:lnRef idx="2">
-            <a:schemeClr val="accent1">
-              <a:shade val="50000"/>
-            </a:schemeClr>
-          </a:lnRef>
-          <a:fillRef idx="1">
-            <a:schemeClr val="accent1"/>
-          </a:fillRef>
-          <a:effectRef idx="0">
-            <a:schemeClr val="accent1"/>
-          </a:effectRef>
-          <a:fontRef idx="minor">
-            <a:schemeClr val="lt1"/>
-          </a:fontRef>
-        </p:style>
-        <p:txBody>
-          <a:bodyPr rtlCol="0" anchor="ctr"/>
-          <a:lstStyle/>
-          <a:p>
-            <a:pPr algn="ctr"/>
-            <a:endParaRPr lang="nl-NL"/>
-          </a:p>
-        </p:txBody>
-      </p:sp>
-      <p:sp>
-        <p:nvSpPr>
-          <p:cNvPr id="28" name="Rechthoek 16">
-            <a:extLst>
-              <a:ext uri="{FF2B5EF4-FFF2-40B4-BE49-F238E27FC236}">
-                <a16:creationId xmlns:a16="http://schemas.microsoft.com/office/drawing/2014/main" id="{91302E8E-A6B3-7A6E-FF6E-E3339D093F39}"/>
-              </a:ext>
-            </a:extLst>
-          </p:cNvPr>
-          <p:cNvSpPr/>
-          <p:nvPr/>
-        </p:nvSpPr>
-        <p:spPr>
-          <a:xfrm rot="2700000" flipH="1">
-            <a:off x="588832" y="1301650"/>
-            <a:ext cx="36000" cy="360000"/>
-          </a:xfrm>
-          <a:prstGeom prst="rect">
-            <a:avLst/>
-          </a:prstGeom>
-          <a:gradFill>
-            <a:gsLst>
-              <a:gs pos="51000">
-                <a:schemeClr val="accent1">
-                  <a:lumMod val="20000"/>
-                  <a:lumOff val="80000"/>
-                </a:schemeClr>
-              </a:gs>
-              <a:gs pos="100000">
-                <a:schemeClr val="accent1">
-                  <a:lumMod val="60000"/>
-                  <a:lumOff val="40000"/>
-                </a:schemeClr>
-              </a:gs>
-              <a:gs pos="0">
-                <a:schemeClr val="accent1">
-                  <a:lumMod val="60000"/>
-                  <a:lumOff val="40000"/>
-                </a:schemeClr>
-              </a:gs>
-            </a:gsLst>
-            <a:lin ang="5400000" scaled="0"/>
-          </a:gradFill>
-          <a:ln w="3175">
-            <a:solidFill>
-              <a:schemeClr val="tx1"/>
-            </a:solidFill>
-          </a:ln>
-          <a:effectLst>
-            <a:softEdge rad="0"/>
-          </a:effectLst>
-          <a:scene3d>
-            <a:camera prst="orthographicFront"/>
-            <a:lightRig rig="balanced" dir="t">
-              <a:rot lat="0" lon="0" rev="21594000"/>
-            </a:lightRig>
-          </a:scene3d>
-        </p:spPr>
-        <p:style>
-          <a:lnRef idx="2">
-            <a:schemeClr val="accent1">
-              <a:shade val="50000"/>
-            </a:schemeClr>
-          </a:lnRef>
-          <a:fillRef idx="1">
-            <a:schemeClr val="accent1"/>
-          </a:fillRef>
-          <a:effectRef idx="0">
-            <a:schemeClr val="accent1"/>
-          </a:effectRef>
-          <a:fontRef idx="minor">
-            <a:schemeClr val="lt1"/>
-          </a:fontRef>
-        </p:style>
-        <p:txBody>
-          <a:bodyPr rtlCol="0" anchor="ctr"/>
-          <a:lstStyle/>
-          <a:p>
-            <a:pPr algn="ctr"/>
-            <a:endParaRPr lang="nl-NL" b="0" dirty="0"/>
-          </a:p>
-          <a:p>
-            <a:pPr algn="ctr"/>
-            <a:endParaRPr lang="nl-NL" dirty="0"/>
-          </a:p>
-        </p:txBody>
-      </p:sp>
-      <p:sp>
-        <p:nvSpPr>
-          <p:cNvPr id="60" name="Rechthoek 5">
-            <a:extLst>
-              <a:ext uri="{FF2B5EF4-FFF2-40B4-BE49-F238E27FC236}">
-                <a16:creationId xmlns:a16="http://schemas.microsoft.com/office/drawing/2014/main" id="{F08B25DE-04C6-0795-BB88-C0E5CA1313D8}"/>
-              </a:ext>
-            </a:extLst>
-          </p:cNvPr>
-          <p:cNvSpPr/>
-          <p:nvPr/>
-        </p:nvSpPr>
-        <p:spPr>
-          <a:xfrm rot="5400000" flipH="1">
-            <a:off x="1629846" y="2842329"/>
-            <a:ext cx="45719" cy="2033683"/>
-          </a:xfrm>
-          <a:prstGeom prst="rect">
-            <a:avLst/>
-          </a:prstGeom>
-          <a:gradFill flip="none" rotWithShape="1">
-            <a:gsLst>
-              <a:gs pos="0">
-                <a:schemeClr val="bg1">
-                  <a:lumMod val="85000"/>
-                </a:schemeClr>
-              </a:gs>
-              <a:gs pos="75000">
-                <a:srgbClr val="E06D6D"/>
-              </a:gs>
-              <a:gs pos="25000">
-                <a:srgbClr val="E60000"/>
-              </a:gs>
-              <a:gs pos="100000">
-                <a:schemeClr val="bg1">
-                  <a:lumMod val="85000"/>
-                </a:schemeClr>
-              </a:gs>
-            </a:gsLst>
-            <a:lin ang="0" scaled="1"/>
-            <a:tileRect/>
-          </a:gradFill>
-          <a:ln w="0">
-            <a:noFill/>
-          </a:ln>
-        </p:spPr>
-        <p:style>
-          <a:lnRef idx="2">
-            <a:schemeClr val="accent1">
-              <a:shade val="50000"/>
-            </a:schemeClr>
-          </a:lnRef>
-          <a:fillRef idx="1">
-            <a:schemeClr val="accent1"/>
-          </a:fillRef>
-          <a:effectRef idx="0">
-            <a:schemeClr val="accent1"/>
-          </a:effectRef>
-          <a:fontRef idx="minor">
-            <a:schemeClr val="lt1"/>
-          </a:fontRef>
-        </p:style>
-        <p:txBody>
-          <a:bodyPr rtlCol="0" anchor="ctr"/>
-          <a:lstStyle/>
-          <a:p>
-            <a:pPr algn="ctr"/>
-            <a:endParaRPr lang="nl-NL"/>
-          </a:p>
-        </p:txBody>
-      </p:sp>
-      <p:sp>
-        <p:nvSpPr>
-          <p:cNvPr id="61" name="Rechthoek 5">
-            <a:extLst>
-              <a:ext uri="{FF2B5EF4-FFF2-40B4-BE49-F238E27FC236}">
-                <a16:creationId xmlns:a16="http://schemas.microsoft.com/office/drawing/2014/main" id="{130ABA8F-8855-C4B7-E435-C1F45E009CA6}"/>
-              </a:ext>
-            </a:extLst>
-          </p:cNvPr>
-          <p:cNvSpPr/>
-          <p:nvPr/>
-        </p:nvSpPr>
-        <p:spPr>
-          <a:xfrm rot="748476" flipH="1">
-            <a:off x="2570437" y="3851148"/>
-            <a:ext cx="45719" cy="540000"/>
-          </a:xfrm>
-          <a:prstGeom prst="rect">
-            <a:avLst/>
-          </a:prstGeom>
-          <a:gradFill flip="none" rotWithShape="1">
-            <a:gsLst>
-              <a:gs pos="0">
-                <a:schemeClr val="bg1">
-                  <a:lumMod val="85000"/>
-                </a:schemeClr>
-              </a:gs>
-              <a:gs pos="75000">
-                <a:srgbClr val="E06D6D"/>
-              </a:gs>
-              <a:gs pos="25000">
-                <a:srgbClr val="E60000"/>
-              </a:gs>
-              <a:gs pos="100000">
-                <a:schemeClr val="bg1">
-                  <a:lumMod val="85000"/>
-                </a:schemeClr>
-              </a:gs>
-            </a:gsLst>
-            <a:lin ang="0" scaled="1"/>
-            <a:tileRect/>
-          </a:gradFill>
-          <a:ln w="0">
-            <a:noFill/>
-          </a:ln>
-        </p:spPr>
-        <p:style>
-          <a:lnRef idx="2">
-            <a:schemeClr val="accent1">
-              <a:shade val="50000"/>
-            </a:schemeClr>
-          </a:lnRef>
-          <a:fillRef idx="1">
-            <a:schemeClr val="accent1"/>
-          </a:fillRef>
-          <a:effectRef idx="0">
-            <a:schemeClr val="accent1"/>
-          </a:effectRef>
-          <a:fontRef idx="minor">
-            <a:schemeClr val="lt1"/>
-          </a:fontRef>
-        </p:style>
-        <p:txBody>
-          <a:bodyPr rtlCol="0" anchor="ctr"/>
-          <a:lstStyle/>
-          <a:p>
-            <a:pPr algn="ctr"/>
-            <a:endParaRPr lang="nl-NL"/>
-          </a:p>
-        </p:txBody>
-      </p:sp>
-      <p:sp>
-        <p:nvSpPr>
-          <p:cNvPr id="43" name="Rechthoek 5">
-            <a:extLst>
-              <a:ext uri="{FF2B5EF4-FFF2-40B4-BE49-F238E27FC236}">
-                <a16:creationId xmlns:a16="http://schemas.microsoft.com/office/drawing/2014/main" id="{972B1041-E02D-D886-497D-6F7F697E92A0}"/>
-              </a:ext>
-            </a:extLst>
-          </p:cNvPr>
-          <p:cNvSpPr/>
-          <p:nvPr/>
-        </p:nvSpPr>
-        <p:spPr>
-          <a:xfrm rot="16200000" flipH="1">
-            <a:off x="3701828" y="2808334"/>
-            <a:ext cx="45719" cy="2443470"/>
-          </a:xfrm>
-          <a:prstGeom prst="rect">
-            <a:avLst/>
-          </a:prstGeom>
-          <a:gradFill flip="none" rotWithShape="1">
-            <a:gsLst>
-              <a:gs pos="0">
-                <a:srgbClr val="0070C0"/>
-              </a:gs>
-              <a:gs pos="50000">
-                <a:srgbClr val="FFFF00"/>
-              </a:gs>
-              <a:gs pos="100000">
-                <a:srgbClr val="E60000"/>
-              </a:gs>
-            </a:gsLst>
-            <a:lin ang="0" scaled="1"/>
-            <a:tileRect/>
-          </a:gradFill>
-          <a:ln w="0">
-            <a:noFill/>
-          </a:ln>
-        </p:spPr>
-        <p:style>
-          <a:lnRef idx="2">
-            <a:schemeClr val="accent1">
-              <a:shade val="50000"/>
-            </a:schemeClr>
-          </a:lnRef>
-          <a:fillRef idx="1">
-            <a:schemeClr val="accent1"/>
-          </a:fillRef>
-          <a:effectRef idx="0">
-            <a:schemeClr val="accent1"/>
-          </a:effectRef>
-          <a:fontRef idx="minor">
-            <a:schemeClr val="lt1"/>
-          </a:fontRef>
-        </p:style>
-        <p:txBody>
-          <a:bodyPr rtlCol="0" anchor="ctr"/>
-          <a:lstStyle/>
-          <a:p>
-            <a:pPr algn="ctr"/>
-            <a:endParaRPr lang="nl-NL"/>
-          </a:p>
-        </p:txBody>
-      </p:sp>
-      <p:sp>
-        <p:nvSpPr>
-          <p:cNvPr id="44" name="Rechthoek 5">
-            <a:extLst>
-              <a:ext uri="{FF2B5EF4-FFF2-40B4-BE49-F238E27FC236}">
-                <a16:creationId xmlns:a16="http://schemas.microsoft.com/office/drawing/2014/main" id="{02A0A754-3367-1F9F-4D86-E5B3DC83CB71}"/>
-              </a:ext>
-            </a:extLst>
-          </p:cNvPr>
-          <p:cNvSpPr/>
-          <p:nvPr/>
-        </p:nvSpPr>
-        <p:spPr>
-          <a:xfrm rot="10800000" flipH="1">
-            <a:off x="2501055" y="4043111"/>
-            <a:ext cx="50898" cy="297534"/>
-          </a:xfrm>
-          <a:prstGeom prst="rect">
-            <a:avLst/>
-          </a:prstGeom>
-          <a:gradFill flip="none" rotWithShape="1">
-            <a:gsLst>
-              <a:gs pos="0">
-                <a:srgbClr val="E60000"/>
-              </a:gs>
-              <a:gs pos="50000">
-                <a:srgbClr val="FFFF00"/>
-              </a:gs>
-              <a:gs pos="100000">
-                <a:srgbClr val="0070C0"/>
-              </a:gs>
-            </a:gsLst>
-            <a:lin ang="0" scaled="1"/>
-            <a:tileRect/>
-          </a:gradFill>
-          <a:ln w="0">
-            <a:noFill/>
-          </a:ln>
-        </p:spPr>
-        <p:style>
-          <a:lnRef idx="2">
-            <a:schemeClr val="accent1">
-              <a:shade val="50000"/>
-            </a:schemeClr>
-          </a:lnRef>
-          <a:fillRef idx="1">
-            <a:schemeClr val="accent1"/>
-          </a:fillRef>
-          <a:effectRef idx="0">
-            <a:schemeClr val="accent1"/>
-          </a:effectRef>
-          <a:fontRef idx="minor">
-            <a:schemeClr val="lt1"/>
-          </a:fontRef>
-        </p:style>
-        <p:txBody>
-          <a:bodyPr rtlCol="0" anchor="ctr"/>
-          <a:lstStyle/>
-          <a:p>
-            <a:pPr algn="ctr"/>
-            <a:endParaRPr lang="nl-NL"/>
-          </a:p>
-        </p:txBody>
-      </p:sp>
-      <p:sp>
-        <p:nvSpPr>
-          <p:cNvPr id="31" name="Rechthoek 16">
-            <a:extLst>
-              <a:ext uri="{FF2B5EF4-FFF2-40B4-BE49-F238E27FC236}">
-                <a16:creationId xmlns:a16="http://schemas.microsoft.com/office/drawing/2014/main" id="{BBC9547D-F3F4-0BB9-DA3E-8C8073AE4D81}"/>
-              </a:ext>
-            </a:extLst>
-          </p:cNvPr>
-          <p:cNvSpPr/>
-          <p:nvPr/>
-        </p:nvSpPr>
-        <p:spPr>
-          <a:xfrm rot="2700000" flipH="1">
-            <a:off x="2483055" y="3909174"/>
-            <a:ext cx="36000" cy="252000"/>
-          </a:xfrm>
-          <a:prstGeom prst="rect">
-            <a:avLst/>
-          </a:prstGeom>
-          <a:gradFill>
-            <a:gsLst>
-              <a:gs pos="51000">
-                <a:schemeClr val="accent1">
-                  <a:lumMod val="20000"/>
-                  <a:lumOff val="80000"/>
-                </a:schemeClr>
-              </a:gs>
-              <a:gs pos="100000">
-                <a:schemeClr val="accent1">
-                  <a:lumMod val="60000"/>
-                  <a:lumOff val="40000"/>
-                </a:schemeClr>
-              </a:gs>
-              <a:gs pos="0">
-                <a:schemeClr val="accent1">
-                  <a:lumMod val="60000"/>
-                  <a:lumOff val="40000"/>
-                </a:schemeClr>
-              </a:gs>
-            </a:gsLst>
-            <a:lin ang="5400000" scaled="0"/>
-          </a:gradFill>
-          <a:ln w="3175">
-            <a:solidFill>
-              <a:schemeClr val="tx1"/>
-            </a:solidFill>
-          </a:ln>
-          <a:effectLst>
-            <a:softEdge rad="0"/>
-          </a:effectLst>
-          <a:scene3d>
-            <a:camera prst="orthographicFront"/>
-            <a:lightRig rig="balanced" dir="t">
-              <a:rot lat="0" lon="0" rev="21594000"/>
-            </a:lightRig>
-          </a:scene3d>
-        </p:spPr>
-        <p:style>
-          <a:lnRef idx="2">
-            <a:schemeClr val="accent1">
-              <a:shade val="50000"/>
-            </a:schemeClr>
-          </a:lnRef>
-          <a:fillRef idx="1">
-            <a:schemeClr val="accent1"/>
-          </a:fillRef>
-          <a:effectRef idx="0">
-            <a:schemeClr val="accent1"/>
-          </a:effectRef>
-          <a:fontRef idx="minor">
-            <a:schemeClr val="lt1"/>
-          </a:fontRef>
-        </p:style>
-        <p:txBody>
-          <a:bodyPr rtlCol="0" anchor="ctr"/>
-          <a:lstStyle/>
-          <a:p>
-            <a:pPr algn="ctr"/>
-            <a:endParaRPr lang="nl-NL" b="0" dirty="0"/>
-          </a:p>
-          <a:p>
-            <a:pPr algn="ctr"/>
-            <a:endParaRPr lang="nl-NL" dirty="0"/>
-          </a:p>
-        </p:txBody>
-      </p:sp>
-      <p:sp>
-        <p:nvSpPr>
-          <p:cNvPr id="32" name="Rectangle 31">
-            <a:extLst>
-              <a:ext uri="{FF2B5EF4-FFF2-40B4-BE49-F238E27FC236}">
-                <a16:creationId xmlns:a16="http://schemas.microsoft.com/office/drawing/2014/main" id="{94FF6615-1901-8AB8-1F55-5F09F2384B52}"/>
-              </a:ext>
-            </a:extLst>
-          </p:cNvPr>
-          <p:cNvSpPr/>
-          <p:nvPr/>
-        </p:nvSpPr>
-        <p:spPr>
-          <a:xfrm>
-            <a:off x="2401127" y="4340645"/>
-            <a:ext cx="336097" cy="203648"/>
-          </a:xfrm>
-          <a:prstGeom prst="rect">
-            <a:avLst/>
-          </a:prstGeom>
-        </p:spPr>
-        <p:style>
-          <a:lnRef idx="2">
-            <a:schemeClr val="accent1">
-              <a:shade val="15000"/>
-            </a:schemeClr>
-          </a:lnRef>
-          <a:fillRef idx="1">
-            <a:schemeClr val="accent1"/>
-          </a:fillRef>
-          <a:effectRef idx="0">
-            <a:schemeClr val="accent1"/>
-          </a:effectRef>
-          <a:fontRef idx="minor">
-            <a:schemeClr val="lt1"/>
-          </a:fontRef>
-        </p:style>
-        <p:txBody>
-          <a:bodyPr rtlCol="0" anchor="ctr"/>
-          <a:lstStyle/>
-          <a:p>
-            <a:pPr algn="ctr"/>
-            <a:endParaRPr lang="en-NL"/>
-          </a:p>
-        </p:txBody>
-      </p:sp>
-      <p:sp>
-        <p:nvSpPr>
-          <p:cNvPr id="30" name="Rechthoek 16">
-            <a:extLst>
-              <a:ext uri="{FF2B5EF4-FFF2-40B4-BE49-F238E27FC236}">
-                <a16:creationId xmlns:a16="http://schemas.microsoft.com/office/drawing/2014/main" id="{2F2445F0-DEF3-9EE8-3F29-30AA0BF8AE80}"/>
-              </a:ext>
-            </a:extLst>
-          </p:cNvPr>
-          <p:cNvSpPr/>
-          <p:nvPr/>
-        </p:nvSpPr>
-        <p:spPr>
-          <a:xfrm rot="19267642" flipH="1">
-            <a:off x="2639112" y="3720725"/>
-            <a:ext cx="36000" cy="252000"/>
-          </a:xfrm>
-          <a:prstGeom prst="rect">
-            <a:avLst/>
-          </a:prstGeom>
-          <a:gradFill>
-            <a:gsLst>
-              <a:gs pos="51000">
-                <a:schemeClr val="accent1">
-                  <a:lumMod val="20000"/>
-                  <a:lumOff val="80000"/>
-                </a:schemeClr>
-              </a:gs>
-              <a:gs pos="100000">
-                <a:schemeClr val="accent1">
-                  <a:lumMod val="60000"/>
-                  <a:lumOff val="40000"/>
-                </a:schemeClr>
-              </a:gs>
-              <a:gs pos="0">
-                <a:schemeClr val="accent1">
-                  <a:lumMod val="60000"/>
-                  <a:lumOff val="40000"/>
-                </a:schemeClr>
-              </a:gs>
-            </a:gsLst>
-            <a:lin ang="5400000" scaled="0"/>
-          </a:gradFill>
-          <a:ln w="3175">
-            <a:solidFill>
-              <a:schemeClr val="tx1"/>
-            </a:solidFill>
-          </a:ln>
-          <a:effectLst>
-            <a:softEdge rad="0"/>
-          </a:effectLst>
-          <a:scene3d>
-            <a:camera prst="orthographicFront"/>
-            <a:lightRig rig="balanced" dir="t">
-              <a:rot lat="0" lon="0" rev="21594000"/>
-            </a:lightRig>
-          </a:scene3d>
-        </p:spPr>
-        <p:style>
-          <a:lnRef idx="2">
-            <a:schemeClr val="accent1">
-              <a:shade val="50000"/>
-            </a:schemeClr>
-          </a:lnRef>
-          <a:fillRef idx="1">
-            <a:schemeClr val="accent1"/>
-          </a:fillRef>
-          <a:effectRef idx="0">
-            <a:schemeClr val="accent1"/>
-          </a:effectRef>
-          <a:fontRef idx="minor">
-            <a:schemeClr val="lt1"/>
-          </a:fontRef>
-        </p:style>
-        <p:txBody>
-          <a:bodyPr rtlCol="0" anchor="ctr"/>
-          <a:lstStyle/>
-          <a:p>
-            <a:pPr algn="ctr"/>
-            <a:endParaRPr lang="nl-NL" b="0" dirty="0"/>
-          </a:p>
-          <a:p>
-            <a:pPr algn="ctr"/>
-            <a:endParaRPr lang="nl-NL" dirty="0"/>
-          </a:p>
-        </p:txBody>
-      </p:sp>
-      <p:sp>
-        <p:nvSpPr>
-          <p:cNvPr id="29" name="Rechthoek 16">
-            <a:extLst>
-              <a:ext uri="{FF2B5EF4-FFF2-40B4-BE49-F238E27FC236}">
-                <a16:creationId xmlns:a16="http://schemas.microsoft.com/office/drawing/2014/main" id="{0204C3E5-15B8-DB3F-8888-E192E5908E9C}"/>
-              </a:ext>
-            </a:extLst>
-          </p:cNvPr>
-          <p:cNvSpPr/>
-          <p:nvPr/>
-        </p:nvSpPr>
-        <p:spPr>
-          <a:xfrm rot="-2700000" flipH="1">
-            <a:off x="588831" y="3716914"/>
-            <a:ext cx="36000" cy="252000"/>
-          </a:xfrm>
-          <a:prstGeom prst="rect">
-            <a:avLst/>
-          </a:prstGeom>
-          <a:gradFill>
-            <a:gsLst>
-              <a:gs pos="51000">
-                <a:schemeClr val="accent1">
-                  <a:lumMod val="20000"/>
-                  <a:lumOff val="80000"/>
-                </a:schemeClr>
-              </a:gs>
-              <a:gs pos="100000">
-                <a:schemeClr val="accent1">
-                  <a:lumMod val="60000"/>
-                  <a:lumOff val="40000"/>
-                </a:schemeClr>
-              </a:gs>
-              <a:gs pos="0">
-                <a:schemeClr val="accent1">
-                  <a:lumMod val="60000"/>
-                  <a:lumOff val="40000"/>
-                </a:schemeClr>
-              </a:gs>
-            </a:gsLst>
-            <a:lin ang="5400000" scaled="0"/>
-          </a:gradFill>
-          <a:ln w="3175">
-            <a:solidFill>
-              <a:schemeClr val="tx1"/>
-            </a:solidFill>
-          </a:ln>
-          <a:effectLst>
-            <a:softEdge rad="0"/>
-          </a:effectLst>
-          <a:scene3d>
-            <a:camera prst="orthographicFront"/>
-            <a:lightRig rig="balanced" dir="t">
-              <a:rot lat="0" lon="0" rev="21594000"/>
-            </a:lightRig>
-          </a:scene3d>
-        </p:spPr>
-        <p:style>
-          <a:lnRef idx="2">
-            <a:schemeClr val="accent1">
-              <a:shade val="50000"/>
-            </a:schemeClr>
-          </a:lnRef>
-          <a:fillRef idx="1">
-            <a:schemeClr val="accent1"/>
-          </a:fillRef>
-          <a:effectRef idx="0">
-            <a:schemeClr val="accent1"/>
-          </a:effectRef>
-          <a:fontRef idx="minor">
-            <a:schemeClr val="lt1"/>
-          </a:fontRef>
-        </p:style>
-        <p:txBody>
-          <a:bodyPr rtlCol="0" anchor="ctr"/>
-          <a:lstStyle/>
-          <a:p>
-            <a:pPr algn="ctr"/>
-            <a:endParaRPr lang="nl-NL" b="0" dirty="0"/>
-          </a:p>
-          <a:p>
-            <a:pPr algn="ctr"/>
-            <a:endParaRPr lang="nl-NL" dirty="0"/>
-          </a:p>
-        </p:txBody>
-      </p:sp>
-      <p:sp>
-        <p:nvSpPr>
-          <p:cNvPr id="64" name="TextBox 63">
-            <a:extLst>
-              <a:ext uri="{FF2B5EF4-FFF2-40B4-BE49-F238E27FC236}">
-                <a16:creationId xmlns:a16="http://schemas.microsoft.com/office/drawing/2014/main" id="{1BC5D5D4-06A9-0FE3-9640-771AC0BFFBF2}"/>
-              </a:ext>
-            </a:extLst>
-          </p:cNvPr>
-          <p:cNvSpPr txBox="1"/>
-          <p:nvPr/>
-        </p:nvSpPr>
-        <p:spPr>
-          <a:xfrm>
-            <a:off x="3403090" y="1178815"/>
-            <a:ext cx="1090431" cy="338554"/>
-          </a:xfrm>
-          <a:prstGeom prst="rect">
-            <a:avLst/>
-          </a:prstGeom>
-          <a:noFill/>
-        </p:spPr>
-        <p:txBody>
-          <a:bodyPr wrap="square" rtlCol="0">
-            <a:spAutoFit/>
-          </a:bodyPr>
-          <a:lstStyle/>
-          <a:p>
-            <a:r>
-              <a:rPr lang="en-US" sz="1600" dirty="0"/>
-              <a:t>Pump</a:t>
-            </a:r>
-            <a:endParaRPr lang="en-NL" sz="1600" dirty="0"/>
-          </a:p>
-        </p:txBody>
-      </p:sp>
-      <p:sp>
-        <p:nvSpPr>
-          <p:cNvPr id="65" name="TextBox 64">
-            <a:extLst>
-              <a:ext uri="{FF2B5EF4-FFF2-40B4-BE49-F238E27FC236}">
-                <a16:creationId xmlns:a16="http://schemas.microsoft.com/office/drawing/2014/main" id="{9C8CCE12-022C-A6B1-8203-F9D244AD2970}"/>
-              </a:ext>
-            </a:extLst>
-          </p:cNvPr>
-          <p:cNvSpPr txBox="1"/>
-          <p:nvPr/>
-        </p:nvSpPr>
-        <p:spPr>
-          <a:xfrm>
-            <a:off x="2591532" y="2359293"/>
-            <a:ext cx="1385642" cy="338554"/>
-          </a:xfrm>
-          <a:prstGeom prst="rect">
-            <a:avLst/>
-          </a:prstGeom>
-          <a:noFill/>
-        </p:spPr>
-        <p:txBody>
-          <a:bodyPr wrap="square" rtlCol="0">
-            <a:spAutoFit/>
-          </a:bodyPr>
-          <a:lstStyle/>
-          <a:p>
-            <a:r>
-              <a:rPr lang="en-US" sz="1600" dirty="0"/>
-              <a:t>Delay Stage</a:t>
-            </a:r>
-            <a:endParaRPr lang="en-NL" sz="1600" dirty="0"/>
-          </a:p>
-        </p:txBody>
-      </p:sp>
-      <p:sp>
-        <p:nvSpPr>
-          <p:cNvPr id="66" name="TextBox 65">
-            <a:extLst>
-              <a:ext uri="{FF2B5EF4-FFF2-40B4-BE49-F238E27FC236}">
-                <a16:creationId xmlns:a16="http://schemas.microsoft.com/office/drawing/2014/main" id="{C0E7CC7F-0792-8616-8B97-7E5AF94934A8}"/>
-              </a:ext>
-            </a:extLst>
-          </p:cNvPr>
-          <p:cNvSpPr txBox="1"/>
-          <p:nvPr/>
-        </p:nvSpPr>
-        <p:spPr>
-          <a:xfrm>
-            <a:off x="1650878" y="959342"/>
-            <a:ext cx="1372994" cy="338554"/>
-          </a:xfrm>
-          <a:prstGeom prst="rect">
-            <a:avLst/>
-          </a:prstGeom>
-          <a:noFill/>
-        </p:spPr>
-        <p:txBody>
-          <a:bodyPr wrap="square" rtlCol="0" anchor="t" anchorCtr="1">
-            <a:spAutoFit/>
-          </a:bodyPr>
-          <a:lstStyle/>
-          <a:p>
-            <a:r>
-              <a:rPr lang="en-US" sz="1600" dirty="0"/>
-              <a:t>Pockels Cell</a:t>
-            </a:r>
-            <a:endParaRPr lang="en-NL" sz="1600" dirty="0"/>
-          </a:p>
-        </p:txBody>
-      </p:sp>
-      <p:sp>
-        <p:nvSpPr>
-          <p:cNvPr id="20" name="TextBox 19">
-            <a:extLst>
-              <a:ext uri="{FF2B5EF4-FFF2-40B4-BE49-F238E27FC236}">
-                <a16:creationId xmlns:a16="http://schemas.microsoft.com/office/drawing/2014/main" id="{88E10F60-CE11-EBDF-7534-45B88D014B12}"/>
-              </a:ext>
-            </a:extLst>
-          </p:cNvPr>
-          <p:cNvSpPr txBox="1"/>
-          <p:nvPr/>
-        </p:nvSpPr>
-        <p:spPr>
-          <a:xfrm>
-            <a:off x="2693337" y="4279235"/>
-            <a:ext cx="962539" cy="338554"/>
-          </a:xfrm>
-          <a:prstGeom prst="rect">
-            <a:avLst/>
-          </a:prstGeom>
-          <a:noFill/>
-        </p:spPr>
-        <p:txBody>
-          <a:bodyPr wrap="square" rtlCol="0">
-            <a:spAutoFit/>
-          </a:bodyPr>
-          <a:lstStyle/>
-          <a:p>
-            <a:r>
-              <a:rPr lang="en-US" sz="1600" dirty="0"/>
-              <a:t>Sample</a:t>
-            </a:r>
-            <a:endParaRPr lang="en-NL" sz="1600" dirty="0"/>
-          </a:p>
-        </p:txBody>
-      </p:sp>
-      <p:sp>
-        <p:nvSpPr>
-          <p:cNvPr id="24" name="Slide Number Placeholder 23">
-            <a:extLst>
-              <a:ext uri="{FF2B5EF4-FFF2-40B4-BE49-F238E27FC236}">
-                <a16:creationId xmlns:a16="http://schemas.microsoft.com/office/drawing/2014/main" id="{5C6E3789-DCE9-006D-0121-92C3E7697C62}"/>
-              </a:ext>
-            </a:extLst>
-          </p:cNvPr>
-          <p:cNvSpPr>
-            <a:spLocks noGrp="1"/>
-          </p:cNvSpPr>
-          <p:nvPr>
-            <p:ph type="sldNum" sz="quarter" idx="12"/>
-          </p:nvPr>
-        </p:nvSpPr>
-        <p:spPr/>
-        <p:txBody>
-          <a:bodyPr/>
-          <a:lstStyle/>
-          <a:p>
-            <a:fld id="{24F60AD4-E162-49FD-8410-2A0540B5197D}" type="slidenum">
-              <a:rPr lang="en-NL" smtClean="0"/>
-              <a:t>17</a:t>
-            </a:fld>
-            <a:endParaRPr lang="en-NL"/>
-          </a:p>
-        </p:txBody>
-      </p:sp>
     </p:spTree>
     <p:extLst>
       <p:ext uri="{BB962C8B-B14F-4D97-AF65-F5344CB8AC3E}">
